--- a/knex/documenting.pptx
+++ b/knex/documenting.pptx
@@ -6,6 +6,7 @@
   </p:sldMasterIdLst>
   <p:sldIdLst>
     <p:sldId id="256" r:id="rId2"/>
+    <p:sldId id="257" r:id="rId3"/>
   </p:sldIdLst>
   <p:sldSz cx="12192000" cy="6858000"/>
   <p:notesSz cx="6858000" cy="9144000"/>
@@ -104,6 +105,11 @@
       </a:defRPr>
     </a:lvl9pPr>
   </p:defaultTextStyle>
+  <p:extLst>
+    <p:ext uri="{EFAFB233-063F-42B5-8137-9DF3F51BA10A}">
+      <p15:sldGuideLst xmlns:p15="http://schemas.microsoft.com/office/powerpoint/2012/main"/>
+    </p:ext>
+  </p:extLst>
 </p:presentation>
 </file>
 
@@ -149,7 +155,7 @@
           </a:lstStyle>
           <a:p>
             <a:r>
-              <a:rPr lang="fr-FR" smtClean="0"/>
+              <a:rPr lang="fr-FR"/>
               <a:t>Modifiez le style du titre</a:t>
             </a:r>
             <a:endParaRPr lang="en-US"/>
@@ -214,7 +220,7 @@
           </a:lstStyle>
           <a:p>
             <a:r>
-              <a:rPr lang="fr-FR" smtClean="0"/>
+              <a:rPr lang="fr-FR"/>
               <a:t>Modifiez le style des sous-titres du masque</a:t>
             </a:r>
             <a:endParaRPr lang="en-US"/>
@@ -238,7 +244,7 @@
           <a:p>
             <a:fld id="{13CD2381-CD21-4744-BA00-E221C511E6CC}" type="datetimeFigureOut">
               <a:rPr lang="en-US" smtClean="0"/>
-              <a:t>12/8/2016</a:t>
+              <a:t>12/11/2016</a:t>
             </a:fld>
             <a:endParaRPr lang="en-US"/>
           </a:p>
@@ -280,7 +286,7 @@
           <a:p>
             <a:fld id="{4B396CFB-6777-4538-8977-0E086DED3CAE}" type="slidenum">
               <a:rPr lang="en-US" smtClean="0"/>
-              <a:t>‹N°›</a:t>
+              <a:t>‹#›</a:t>
             </a:fld>
             <a:endParaRPr lang="en-US"/>
           </a:p>
@@ -332,7 +338,7 @@
           <a:lstStyle/>
           <a:p>
             <a:r>
-              <a:rPr lang="fr-FR" smtClean="0"/>
+              <a:rPr lang="fr-FR"/>
               <a:t>Modifiez le style du titre</a:t>
             </a:r>
             <a:endParaRPr lang="en-US"/>
@@ -356,35 +362,35 @@
           <a:p>
             <a:pPr lvl="0"/>
             <a:r>
-              <a:rPr lang="fr-FR" smtClean="0"/>
+              <a:rPr lang="fr-FR"/>
               <a:t>Modifiez les styles du texte du masque</a:t>
             </a:r>
           </a:p>
           <a:p>
             <a:pPr lvl="1"/>
             <a:r>
-              <a:rPr lang="fr-FR" smtClean="0"/>
+              <a:rPr lang="fr-FR"/>
               <a:t>Deuxième niveau</a:t>
             </a:r>
           </a:p>
           <a:p>
             <a:pPr lvl="2"/>
             <a:r>
-              <a:rPr lang="fr-FR" smtClean="0"/>
+              <a:rPr lang="fr-FR"/>
               <a:t>Troisième niveau</a:t>
             </a:r>
           </a:p>
           <a:p>
             <a:pPr lvl="3"/>
             <a:r>
-              <a:rPr lang="fr-FR" smtClean="0"/>
+              <a:rPr lang="fr-FR"/>
               <a:t>Quatrième niveau</a:t>
             </a:r>
           </a:p>
           <a:p>
             <a:pPr lvl="4"/>
             <a:r>
-              <a:rPr lang="fr-FR" smtClean="0"/>
+              <a:rPr lang="fr-FR"/>
               <a:t>Cinquième niveau</a:t>
             </a:r>
             <a:endParaRPr lang="en-US"/>
@@ -408,7 +414,7 @@
           <a:p>
             <a:fld id="{13CD2381-CD21-4744-BA00-E221C511E6CC}" type="datetimeFigureOut">
               <a:rPr lang="en-US" smtClean="0"/>
-              <a:t>12/8/2016</a:t>
+              <a:t>12/11/2016</a:t>
             </a:fld>
             <a:endParaRPr lang="en-US"/>
           </a:p>
@@ -450,7 +456,7 @@
           <a:p>
             <a:fld id="{4B396CFB-6777-4538-8977-0E086DED3CAE}" type="slidenum">
               <a:rPr lang="en-US" smtClean="0"/>
-              <a:t>‹N°›</a:t>
+              <a:t>‹#›</a:t>
             </a:fld>
             <a:endParaRPr lang="en-US"/>
           </a:p>
@@ -507,7 +513,7 @@
           <a:lstStyle/>
           <a:p>
             <a:r>
-              <a:rPr lang="fr-FR" smtClean="0"/>
+              <a:rPr lang="fr-FR"/>
               <a:t>Modifiez le style du titre</a:t>
             </a:r>
             <a:endParaRPr lang="en-US"/>
@@ -536,35 +542,35 @@
           <a:p>
             <a:pPr lvl="0"/>
             <a:r>
-              <a:rPr lang="fr-FR" smtClean="0"/>
+              <a:rPr lang="fr-FR"/>
               <a:t>Modifiez les styles du texte du masque</a:t>
             </a:r>
           </a:p>
           <a:p>
             <a:pPr lvl="1"/>
             <a:r>
-              <a:rPr lang="fr-FR" smtClean="0"/>
+              <a:rPr lang="fr-FR"/>
               <a:t>Deuxième niveau</a:t>
             </a:r>
           </a:p>
           <a:p>
             <a:pPr lvl="2"/>
             <a:r>
-              <a:rPr lang="fr-FR" smtClean="0"/>
+              <a:rPr lang="fr-FR"/>
               <a:t>Troisième niveau</a:t>
             </a:r>
           </a:p>
           <a:p>
             <a:pPr lvl="3"/>
             <a:r>
-              <a:rPr lang="fr-FR" smtClean="0"/>
+              <a:rPr lang="fr-FR"/>
               <a:t>Quatrième niveau</a:t>
             </a:r>
           </a:p>
           <a:p>
             <a:pPr lvl="4"/>
             <a:r>
-              <a:rPr lang="fr-FR" smtClean="0"/>
+              <a:rPr lang="fr-FR"/>
               <a:t>Cinquième niveau</a:t>
             </a:r>
             <a:endParaRPr lang="en-US"/>
@@ -588,7 +594,7 @@
           <a:p>
             <a:fld id="{13CD2381-CD21-4744-BA00-E221C511E6CC}" type="datetimeFigureOut">
               <a:rPr lang="en-US" smtClean="0"/>
-              <a:t>12/8/2016</a:t>
+              <a:t>12/11/2016</a:t>
             </a:fld>
             <a:endParaRPr lang="en-US"/>
           </a:p>
@@ -630,7 +636,7 @@
           <a:p>
             <a:fld id="{4B396CFB-6777-4538-8977-0E086DED3CAE}" type="slidenum">
               <a:rPr lang="en-US" smtClean="0"/>
-              <a:t>‹N°›</a:t>
+              <a:t>‹#›</a:t>
             </a:fld>
             <a:endParaRPr lang="en-US"/>
           </a:p>
@@ -682,7 +688,7 @@
           <a:lstStyle/>
           <a:p>
             <a:r>
-              <a:rPr lang="fr-FR" smtClean="0"/>
+              <a:rPr lang="fr-FR"/>
               <a:t>Modifiez le style du titre</a:t>
             </a:r>
             <a:endParaRPr lang="en-US"/>
@@ -706,35 +712,35 @@
           <a:p>
             <a:pPr lvl="0"/>
             <a:r>
-              <a:rPr lang="fr-FR" smtClean="0"/>
+              <a:rPr lang="fr-FR"/>
               <a:t>Modifiez les styles du texte du masque</a:t>
             </a:r>
           </a:p>
           <a:p>
             <a:pPr lvl="1"/>
             <a:r>
-              <a:rPr lang="fr-FR" smtClean="0"/>
+              <a:rPr lang="fr-FR"/>
               <a:t>Deuxième niveau</a:t>
             </a:r>
           </a:p>
           <a:p>
             <a:pPr lvl="2"/>
             <a:r>
-              <a:rPr lang="fr-FR" smtClean="0"/>
+              <a:rPr lang="fr-FR"/>
               <a:t>Troisième niveau</a:t>
             </a:r>
           </a:p>
           <a:p>
             <a:pPr lvl="3"/>
             <a:r>
-              <a:rPr lang="fr-FR" smtClean="0"/>
+              <a:rPr lang="fr-FR"/>
               <a:t>Quatrième niveau</a:t>
             </a:r>
           </a:p>
           <a:p>
             <a:pPr lvl="4"/>
             <a:r>
-              <a:rPr lang="fr-FR" smtClean="0"/>
+              <a:rPr lang="fr-FR"/>
               <a:t>Cinquième niveau</a:t>
             </a:r>
             <a:endParaRPr lang="en-US"/>
@@ -758,7 +764,7 @@
           <a:p>
             <a:fld id="{13CD2381-CD21-4744-BA00-E221C511E6CC}" type="datetimeFigureOut">
               <a:rPr lang="en-US" smtClean="0"/>
-              <a:t>12/8/2016</a:t>
+              <a:t>12/11/2016</a:t>
             </a:fld>
             <a:endParaRPr lang="en-US"/>
           </a:p>
@@ -800,7 +806,7 @@
           <a:p>
             <a:fld id="{4B396CFB-6777-4538-8977-0E086DED3CAE}" type="slidenum">
               <a:rPr lang="en-US" smtClean="0"/>
-              <a:t>‹N°›</a:t>
+              <a:t>‹#›</a:t>
             </a:fld>
             <a:endParaRPr lang="en-US"/>
           </a:p>
@@ -861,7 +867,7 @@
           </a:lstStyle>
           <a:p>
             <a:r>
-              <a:rPr lang="fr-FR" smtClean="0"/>
+              <a:rPr lang="fr-FR"/>
               <a:t>Modifiez le style du titre</a:t>
             </a:r>
             <a:endParaRPr lang="en-US"/>
@@ -981,7 +987,7 @@
           <a:p>
             <a:pPr lvl="0"/>
             <a:r>
-              <a:rPr lang="fr-FR" smtClean="0"/>
+              <a:rPr lang="fr-FR"/>
               <a:t>Modifiez les styles du texte du masque</a:t>
             </a:r>
           </a:p>
@@ -1004,7 +1010,7 @@
           <a:p>
             <a:fld id="{13CD2381-CD21-4744-BA00-E221C511E6CC}" type="datetimeFigureOut">
               <a:rPr lang="en-US" smtClean="0"/>
-              <a:t>12/8/2016</a:t>
+              <a:t>12/11/2016</a:t>
             </a:fld>
             <a:endParaRPr lang="en-US"/>
           </a:p>
@@ -1046,7 +1052,7 @@
           <a:p>
             <a:fld id="{4B396CFB-6777-4538-8977-0E086DED3CAE}" type="slidenum">
               <a:rPr lang="en-US" smtClean="0"/>
-              <a:t>‹N°›</a:t>
+              <a:t>‹#›</a:t>
             </a:fld>
             <a:endParaRPr lang="en-US"/>
           </a:p>
@@ -1098,7 +1104,7 @@
           <a:lstStyle/>
           <a:p>
             <a:r>
-              <a:rPr lang="fr-FR" smtClean="0"/>
+              <a:rPr lang="fr-FR"/>
               <a:t>Modifiez le style du titre</a:t>
             </a:r>
             <a:endParaRPr lang="en-US"/>
@@ -1127,35 +1133,35 @@
           <a:p>
             <a:pPr lvl="0"/>
             <a:r>
-              <a:rPr lang="fr-FR" smtClean="0"/>
+              <a:rPr lang="fr-FR"/>
               <a:t>Modifiez les styles du texte du masque</a:t>
             </a:r>
           </a:p>
           <a:p>
             <a:pPr lvl="1"/>
             <a:r>
-              <a:rPr lang="fr-FR" smtClean="0"/>
+              <a:rPr lang="fr-FR"/>
               <a:t>Deuxième niveau</a:t>
             </a:r>
           </a:p>
           <a:p>
             <a:pPr lvl="2"/>
             <a:r>
-              <a:rPr lang="fr-FR" smtClean="0"/>
+              <a:rPr lang="fr-FR"/>
               <a:t>Troisième niveau</a:t>
             </a:r>
           </a:p>
           <a:p>
             <a:pPr lvl="3"/>
             <a:r>
-              <a:rPr lang="fr-FR" smtClean="0"/>
+              <a:rPr lang="fr-FR"/>
               <a:t>Quatrième niveau</a:t>
             </a:r>
           </a:p>
           <a:p>
             <a:pPr lvl="4"/>
             <a:r>
-              <a:rPr lang="fr-FR" smtClean="0"/>
+              <a:rPr lang="fr-FR"/>
               <a:t>Cinquième niveau</a:t>
             </a:r>
             <a:endParaRPr lang="en-US"/>
@@ -1184,35 +1190,35 @@
           <a:p>
             <a:pPr lvl="0"/>
             <a:r>
-              <a:rPr lang="fr-FR" smtClean="0"/>
+              <a:rPr lang="fr-FR"/>
               <a:t>Modifiez les styles du texte du masque</a:t>
             </a:r>
           </a:p>
           <a:p>
             <a:pPr lvl="1"/>
             <a:r>
-              <a:rPr lang="fr-FR" smtClean="0"/>
+              <a:rPr lang="fr-FR"/>
               <a:t>Deuxième niveau</a:t>
             </a:r>
           </a:p>
           <a:p>
             <a:pPr lvl="2"/>
             <a:r>
-              <a:rPr lang="fr-FR" smtClean="0"/>
+              <a:rPr lang="fr-FR"/>
               <a:t>Troisième niveau</a:t>
             </a:r>
           </a:p>
           <a:p>
             <a:pPr lvl="3"/>
             <a:r>
-              <a:rPr lang="fr-FR" smtClean="0"/>
+              <a:rPr lang="fr-FR"/>
               <a:t>Quatrième niveau</a:t>
             </a:r>
           </a:p>
           <a:p>
             <a:pPr lvl="4"/>
             <a:r>
-              <a:rPr lang="fr-FR" smtClean="0"/>
+              <a:rPr lang="fr-FR"/>
               <a:t>Cinquième niveau</a:t>
             </a:r>
             <a:endParaRPr lang="en-US"/>
@@ -1236,7 +1242,7 @@
           <a:p>
             <a:fld id="{13CD2381-CD21-4744-BA00-E221C511E6CC}" type="datetimeFigureOut">
               <a:rPr lang="en-US" smtClean="0"/>
-              <a:t>12/8/2016</a:t>
+              <a:t>12/11/2016</a:t>
             </a:fld>
             <a:endParaRPr lang="en-US"/>
           </a:p>
@@ -1278,7 +1284,7 @@
           <a:p>
             <a:fld id="{4B396CFB-6777-4538-8977-0E086DED3CAE}" type="slidenum">
               <a:rPr lang="en-US" smtClean="0"/>
-              <a:t>‹N°›</a:t>
+              <a:t>‹#›</a:t>
             </a:fld>
             <a:endParaRPr lang="en-US"/>
           </a:p>
@@ -1335,7 +1341,7 @@
           <a:lstStyle/>
           <a:p>
             <a:r>
-              <a:rPr lang="fr-FR" smtClean="0"/>
+              <a:rPr lang="fr-FR"/>
               <a:t>Modifiez le style du titre</a:t>
             </a:r>
             <a:endParaRPr lang="en-US"/>
@@ -1401,7 +1407,7 @@
           <a:p>
             <a:pPr lvl="0"/>
             <a:r>
-              <a:rPr lang="fr-FR" smtClean="0"/>
+              <a:rPr lang="fr-FR"/>
               <a:t>Modifiez les styles du texte du masque</a:t>
             </a:r>
           </a:p>
@@ -1429,35 +1435,35 @@
           <a:p>
             <a:pPr lvl="0"/>
             <a:r>
-              <a:rPr lang="fr-FR" smtClean="0"/>
+              <a:rPr lang="fr-FR"/>
               <a:t>Modifiez les styles du texte du masque</a:t>
             </a:r>
           </a:p>
           <a:p>
             <a:pPr lvl="1"/>
             <a:r>
-              <a:rPr lang="fr-FR" smtClean="0"/>
+              <a:rPr lang="fr-FR"/>
               <a:t>Deuxième niveau</a:t>
             </a:r>
           </a:p>
           <a:p>
             <a:pPr lvl="2"/>
             <a:r>
-              <a:rPr lang="fr-FR" smtClean="0"/>
+              <a:rPr lang="fr-FR"/>
               <a:t>Troisième niveau</a:t>
             </a:r>
           </a:p>
           <a:p>
             <a:pPr lvl="3"/>
             <a:r>
-              <a:rPr lang="fr-FR" smtClean="0"/>
+              <a:rPr lang="fr-FR"/>
               <a:t>Quatrième niveau</a:t>
             </a:r>
           </a:p>
           <a:p>
             <a:pPr lvl="4"/>
             <a:r>
-              <a:rPr lang="fr-FR" smtClean="0"/>
+              <a:rPr lang="fr-FR"/>
               <a:t>Cinquième niveau</a:t>
             </a:r>
             <a:endParaRPr lang="en-US"/>
@@ -1523,7 +1529,7 @@
           <a:p>
             <a:pPr lvl="0"/>
             <a:r>
-              <a:rPr lang="fr-FR" smtClean="0"/>
+              <a:rPr lang="fr-FR"/>
               <a:t>Modifiez les styles du texte du masque</a:t>
             </a:r>
           </a:p>
@@ -1551,35 +1557,35 @@
           <a:p>
             <a:pPr lvl="0"/>
             <a:r>
-              <a:rPr lang="fr-FR" smtClean="0"/>
+              <a:rPr lang="fr-FR"/>
               <a:t>Modifiez les styles du texte du masque</a:t>
             </a:r>
           </a:p>
           <a:p>
             <a:pPr lvl="1"/>
             <a:r>
-              <a:rPr lang="fr-FR" smtClean="0"/>
+              <a:rPr lang="fr-FR"/>
               <a:t>Deuxième niveau</a:t>
             </a:r>
           </a:p>
           <a:p>
             <a:pPr lvl="2"/>
             <a:r>
-              <a:rPr lang="fr-FR" smtClean="0"/>
+              <a:rPr lang="fr-FR"/>
               <a:t>Troisième niveau</a:t>
             </a:r>
           </a:p>
           <a:p>
             <a:pPr lvl="3"/>
             <a:r>
-              <a:rPr lang="fr-FR" smtClean="0"/>
+              <a:rPr lang="fr-FR"/>
               <a:t>Quatrième niveau</a:t>
             </a:r>
           </a:p>
           <a:p>
             <a:pPr lvl="4"/>
             <a:r>
-              <a:rPr lang="fr-FR" smtClean="0"/>
+              <a:rPr lang="fr-FR"/>
               <a:t>Cinquième niveau</a:t>
             </a:r>
             <a:endParaRPr lang="en-US"/>
@@ -1603,7 +1609,7 @@
           <a:p>
             <a:fld id="{13CD2381-CD21-4744-BA00-E221C511E6CC}" type="datetimeFigureOut">
               <a:rPr lang="en-US" smtClean="0"/>
-              <a:t>12/8/2016</a:t>
+              <a:t>12/11/2016</a:t>
             </a:fld>
             <a:endParaRPr lang="en-US"/>
           </a:p>
@@ -1645,7 +1651,7 @@
           <a:p>
             <a:fld id="{4B396CFB-6777-4538-8977-0E086DED3CAE}" type="slidenum">
               <a:rPr lang="en-US" smtClean="0"/>
-              <a:t>‹N°›</a:t>
+              <a:t>‹#›</a:t>
             </a:fld>
             <a:endParaRPr lang="en-US"/>
           </a:p>
@@ -1697,7 +1703,7 @@
           <a:lstStyle/>
           <a:p>
             <a:r>
-              <a:rPr lang="fr-FR" smtClean="0"/>
+              <a:rPr lang="fr-FR"/>
               <a:t>Modifiez le style du titre</a:t>
             </a:r>
             <a:endParaRPr lang="en-US"/>
@@ -1721,7 +1727,7 @@
           <a:p>
             <a:fld id="{13CD2381-CD21-4744-BA00-E221C511E6CC}" type="datetimeFigureOut">
               <a:rPr lang="en-US" smtClean="0"/>
-              <a:t>12/8/2016</a:t>
+              <a:t>12/11/2016</a:t>
             </a:fld>
             <a:endParaRPr lang="en-US"/>
           </a:p>
@@ -1763,7 +1769,7 @@
           <a:p>
             <a:fld id="{4B396CFB-6777-4538-8977-0E086DED3CAE}" type="slidenum">
               <a:rPr lang="en-US" smtClean="0"/>
-              <a:t>‹N°›</a:t>
+              <a:t>‹#›</a:t>
             </a:fld>
             <a:endParaRPr lang="en-US"/>
           </a:p>
@@ -1816,7 +1822,7 @@
           <a:p>
             <a:fld id="{13CD2381-CD21-4744-BA00-E221C511E6CC}" type="datetimeFigureOut">
               <a:rPr lang="en-US" smtClean="0"/>
-              <a:t>12/8/2016</a:t>
+              <a:t>12/11/2016</a:t>
             </a:fld>
             <a:endParaRPr lang="en-US"/>
           </a:p>
@@ -1858,7 +1864,7 @@
           <a:p>
             <a:fld id="{4B396CFB-6777-4538-8977-0E086DED3CAE}" type="slidenum">
               <a:rPr lang="en-US" smtClean="0"/>
-              <a:t>‹N°›</a:t>
+              <a:t>‹#›</a:t>
             </a:fld>
             <a:endParaRPr lang="en-US"/>
           </a:p>
@@ -1919,7 +1925,7 @@
           </a:lstStyle>
           <a:p>
             <a:r>
-              <a:rPr lang="fr-FR" smtClean="0"/>
+              <a:rPr lang="fr-FR"/>
               <a:t>Modifiez le style du titre</a:t>
             </a:r>
             <a:endParaRPr lang="en-US"/>
@@ -1976,35 +1982,35 @@
           <a:p>
             <a:pPr lvl="0"/>
             <a:r>
-              <a:rPr lang="fr-FR" smtClean="0"/>
+              <a:rPr lang="fr-FR"/>
               <a:t>Modifiez les styles du texte du masque</a:t>
             </a:r>
           </a:p>
           <a:p>
             <a:pPr lvl="1"/>
             <a:r>
-              <a:rPr lang="fr-FR" smtClean="0"/>
+              <a:rPr lang="fr-FR"/>
               <a:t>Deuxième niveau</a:t>
             </a:r>
           </a:p>
           <a:p>
             <a:pPr lvl="2"/>
             <a:r>
-              <a:rPr lang="fr-FR" smtClean="0"/>
+              <a:rPr lang="fr-FR"/>
               <a:t>Troisième niveau</a:t>
             </a:r>
           </a:p>
           <a:p>
             <a:pPr lvl="3"/>
             <a:r>
-              <a:rPr lang="fr-FR" smtClean="0"/>
+              <a:rPr lang="fr-FR"/>
               <a:t>Quatrième niveau</a:t>
             </a:r>
           </a:p>
           <a:p>
             <a:pPr lvl="4"/>
             <a:r>
-              <a:rPr lang="fr-FR" smtClean="0"/>
+              <a:rPr lang="fr-FR"/>
               <a:t>Cinquième niveau</a:t>
             </a:r>
             <a:endParaRPr lang="en-US"/>
@@ -2070,7 +2076,7 @@
           <a:p>
             <a:pPr lvl="0"/>
             <a:r>
-              <a:rPr lang="fr-FR" smtClean="0"/>
+              <a:rPr lang="fr-FR"/>
               <a:t>Modifiez les styles du texte du masque</a:t>
             </a:r>
           </a:p>
@@ -2093,7 +2099,7 @@
           <a:p>
             <a:fld id="{13CD2381-CD21-4744-BA00-E221C511E6CC}" type="datetimeFigureOut">
               <a:rPr lang="en-US" smtClean="0"/>
-              <a:t>12/8/2016</a:t>
+              <a:t>12/11/2016</a:t>
             </a:fld>
             <a:endParaRPr lang="en-US"/>
           </a:p>
@@ -2135,7 +2141,7 @@
           <a:p>
             <a:fld id="{4B396CFB-6777-4538-8977-0E086DED3CAE}" type="slidenum">
               <a:rPr lang="en-US" smtClean="0"/>
-              <a:t>‹N°›</a:t>
+              <a:t>‹#›</a:t>
             </a:fld>
             <a:endParaRPr lang="en-US"/>
           </a:p>
@@ -2196,7 +2202,7 @@
           </a:lstStyle>
           <a:p>
             <a:r>
-              <a:rPr lang="fr-FR" smtClean="0"/>
+              <a:rPr lang="fr-FR"/>
               <a:t>Modifiez le style du titre</a:t>
             </a:r>
             <a:endParaRPr lang="en-US"/>
@@ -2323,7 +2329,7 @@
           <a:p>
             <a:pPr lvl="0"/>
             <a:r>
-              <a:rPr lang="fr-FR" smtClean="0"/>
+              <a:rPr lang="fr-FR"/>
               <a:t>Modifiez les styles du texte du masque</a:t>
             </a:r>
           </a:p>
@@ -2346,7 +2352,7 @@
           <a:p>
             <a:fld id="{13CD2381-CD21-4744-BA00-E221C511E6CC}" type="datetimeFigureOut">
               <a:rPr lang="en-US" smtClean="0"/>
-              <a:t>12/8/2016</a:t>
+              <a:t>12/11/2016</a:t>
             </a:fld>
             <a:endParaRPr lang="en-US"/>
           </a:p>
@@ -2388,7 +2394,7 @@
           <a:p>
             <a:fld id="{4B396CFB-6777-4538-8977-0E086DED3CAE}" type="slidenum">
               <a:rPr lang="en-US" smtClean="0"/>
-              <a:t>‹N°›</a:t>
+              <a:t>‹#›</a:t>
             </a:fld>
             <a:endParaRPr lang="en-US"/>
           </a:p>
@@ -2455,7 +2461,7 @@
           <a:lstStyle/>
           <a:p>
             <a:r>
-              <a:rPr lang="fr-FR" smtClean="0"/>
+              <a:rPr lang="fr-FR"/>
               <a:t>Modifiez le style du titre</a:t>
             </a:r>
             <a:endParaRPr lang="en-US"/>
@@ -2489,35 +2495,35 @@
           <a:p>
             <a:pPr lvl="0"/>
             <a:r>
-              <a:rPr lang="fr-FR" smtClean="0"/>
+              <a:rPr lang="fr-FR"/>
               <a:t>Modifiez les styles du texte du masque</a:t>
             </a:r>
           </a:p>
           <a:p>
             <a:pPr lvl="1"/>
             <a:r>
-              <a:rPr lang="fr-FR" smtClean="0"/>
+              <a:rPr lang="fr-FR"/>
               <a:t>Deuxième niveau</a:t>
             </a:r>
           </a:p>
           <a:p>
             <a:pPr lvl="2"/>
             <a:r>
-              <a:rPr lang="fr-FR" smtClean="0"/>
+              <a:rPr lang="fr-FR"/>
               <a:t>Troisième niveau</a:t>
             </a:r>
           </a:p>
           <a:p>
             <a:pPr lvl="3"/>
             <a:r>
-              <a:rPr lang="fr-FR" smtClean="0"/>
+              <a:rPr lang="fr-FR"/>
               <a:t>Quatrième niveau</a:t>
             </a:r>
           </a:p>
           <a:p>
             <a:pPr lvl="4"/>
             <a:r>
-              <a:rPr lang="fr-FR" smtClean="0"/>
+              <a:rPr lang="fr-FR"/>
               <a:t>Cinquième niveau</a:t>
             </a:r>
             <a:endParaRPr lang="en-US"/>
@@ -2559,7 +2565,7 @@
           <a:p>
             <a:fld id="{13CD2381-CD21-4744-BA00-E221C511E6CC}" type="datetimeFigureOut">
               <a:rPr lang="en-US" smtClean="0"/>
-              <a:t>12/8/2016</a:t>
+              <a:t>12/11/2016</a:t>
             </a:fld>
             <a:endParaRPr lang="en-US"/>
           </a:p>
@@ -2637,7 +2643,7 @@
           <a:p>
             <a:fld id="{4B396CFB-6777-4538-8977-0E086DED3CAE}" type="slidenum">
               <a:rPr lang="en-US" smtClean="0"/>
-              <a:t>‹N°›</a:t>
+              <a:t>‹#›</a:t>
             </a:fld>
             <a:endParaRPr lang="en-US"/>
           </a:p>
@@ -3054,7 +3060,7 @@
             <a:p>
               <a:pPr algn="ctr"/>
               <a:r>
-                <a:rPr lang="en-US" sz="1000" dirty="0" smtClean="0">
+                <a:rPr lang="en-US" sz="1000" dirty="0">
                   <a:solidFill>
                     <a:schemeClr val="bg1">
                       <a:lumMod val="50000"/>
@@ -3063,13 +3069,6 @@
                 </a:rPr>
                 <a:t>1</a:t>
               </a:r>
-              <a:endParaRPr lang="en-US" sz="1000" dirty="0">
-                <a:solidFill>
-                  <a:schemeClr val="bg1">
-                    <a:lumMod val="50000"/>
-                  </a:schemeClr>
-                </a:solidFill>
-              </a:endParaRPr>
             </a:p>
           </p:txBody>
         </p:sp>
@@ -3120,7 +3119,7 @@
             <a:p>
               <a:pPr algn="ctr"/>
               <a:r>
-                <a:rPr lang="en-US" sz="1000" dirty="0" smtClean="0">
+                <a:rPr lang="en-US" sz="1000" dirty="0">
                   <a:solidFill>
                     <a:schemeClr val="bg1">
                       <a:lumMod val="50000"/>
@@ -3129,13 +3128,6 @@
                 </a:rPr>
                 <a:t>2</a:t>
               </a:r>
-              <a:endParaRPr lang="en-US" sz="1000" dirty="0">
-                <a:solidFill>
-                  <a:schemeClr val="bg1">
-                    <a:lumMod val="50000"/>
-                  </a:schemeClr>
-                </a:solidFill>
-              </a:endParaRPr>
             </a:p>
           </p:txBody>
         </p:sp>
@@ -3195,13 +3187,6 @@
                 </a:rPr>
                 <a:t>3</a:t>
               </a:r>
-              <a:endParaRPr lang="en-US" sz="1000" dirty="0">
-                <a:solidFill>
-                  <a:schemeClr val="bg1">
-                    <a:lumMod val="50000"/>
-                  </a:schemeClr>
-                </a:solidFill>
-              </a:endParaRPr>
             </a:p>
           </p:txBody>
         </p:sp>
@@ -3261,13 +3246,6 @@
                 </a:rPr>
                 <a:t>4</a:t>
               </a:r>
-              <a:endParaRPr lang="en-US" sz="1000" dirty="0">
-                <a:solidFill>
-                  <a:schemeClr val="bg1">
-                    <a:lumMod val="50000"/>
-                  </a:schemeClr>
-                </a:solidFill>
-              </a:endParaRPr>
             </a:p>
           </p:txBody>
         </p:sp>
@@ -3327,13 +3305,6 @@
                 </a:rPr>
                 <a:t>5</a:t>
               </a:r>
-              <a:endParaRPr lang="en-US" sz="1000" dirty="0">
-                <a:solidFill>
-                  <a:schemeClr val="bg1">
-                    <a:lumMod val="50000"/>
-                  </a:schemeClr>
-                </a:solidFill>
-              </a:endParaRPr>
             </a:p>
           </p:txBody>
         </p:sp>
@@ -3384,7 +3355,7 @@
             <a:p>
               <a:pPr algn="ctr"/>
               <a:r>
-                <a:rPr lang="en-US" sz="1000" dirty="0" smtClean="0">
+                <a:rPr lang="en-US" sz="1000" dirty="0">
                   <a:solidFill>
                     <a:schemeClr val="bg1">
                       <a:lumMod val="50000"/>
@@ -3393,13 +3364,6 @@
                 </a:rPr>
                 <a:t>6</a:t>
               </a:r>
-              <a:endParaRPr lang="en-US" sz="1000" dirty="0">
-                <a:solidFill>
-                  <a:schemeClr val="bg1">
-                    <a:lumMod val="50000"/>
-                  </a:schemeClr>
-                </a:solidFill>
-              </a:endParaRPr>
             </a:p>
           </p:txBody>
         </p:sp>
@@ -3459,13 +3423,6 @@
                 </a:rPr>
                 <a:t>7</a:t>
               </a:r>
-              <a:endParaRPr lang="en-US" sz="1000" dirty="0">
-                <a:solidFill>
-                  <a:schemeClr val="bg1">
-                    <a:lumMod val="50000"/>
-                  </a:schemeClr>
-                </a:solidFill>
-              </a:endParaRPr>
             </a:p>
           </p:txBody>
         </p:sp>
@@ -3525,13 +3482,6 @@
                 </a:rPr>
                 <a:t>8</a:t>
               </a:r>
-              <a:endParaRPr lang="en-US" sz="1000" dirty="0">
-                <a:solidFill>
-                  <a:schemeClr val="bg1">
-                    <a:lumMod val="50000"/>
-                  </a:schemeClr>
-                </a:solidFill>
-              </a:endParaRPr>
             </a:p>
           </p:txBody>
         </p:sp>
@@ -3582,7 +3532,7 @@
             <a:p>
               <a:pPr algn="ctr"/>
               <a:r>
-                <a:rPr lang="en-US" sz="1000" dirty="0" smtClean="0">
+                <a:rPr lang="en-US" sz="1000" dirty="0">
                   <a:solidFill>
                     <a:schemeClr val="bg1">
                       <a:lumMod val="50000"/>
@@ -3591,13 +3541,6 @@
                 </a:rPr>
                 <a:t>11</a:t>
               </a:r>
-              <a:endParaRPr lang="en-US" sz="1000" dirty="0">
-                <a:solidFill>
-                  <a:schemeClr val="bg1">
-                    <a:lumMod val="50000"/>
-                  </a:schemeClr>
-                </a:solidFill>
-              </a:endParaRPr>
             </a:p>
           </p:txBody>
         </p:sp>
@@ -3648,7 +3591,7 @@
             <a:p>
               <a:pPr algn="ctr"/>
               <a:r>
-                <a:rPr lang="en-US" sz="1000" dirty="0" smtClean="0">
+                <a:rPr lang="en-US" sz="1000" dirty="0">
                   <a:solidFill>
                     <a:schemeClr val="bg1">
                       <a:lumMod val="50000"/>
@@ -3657,13 +3600,6 @@
                 </a:rPr>
                 <a:t>10</a:t>
               </a:r>
-              <a:endParaRPr lang="en-US" sz="1000" dirty="0">
-                <a:solidFill>
-                  <a:schemeClr val="bg1">
-                    <a:lumMod val="50000"/>
-                  </a:schemeClr>
-                </a:solidFill>
-              </a:endParaRPr>
             </a:p>
           </p:txBody>
         </p:sp>
@@ -3723,13 +3659,6 @@
                 </a:rPr>
                 <a:t>9</a:t>
               </a:r>
-              <a:endParaRPr lang="en-US" sz="1000" dirty="0">
-                <a:solidFill>
-                  <a:schemeClr val="bg1">
-                    <a:lumMod val="50000"/>
-                  </a:schemeClr>
-                </a:solidFill>
-              </a:endParaRPr>
             </a:p>
           </p:txBody>
         </p:sp>
@@ -3780,7 +3709,7 @@
             <a:p>
               <a:pPr algn="ctr"/>
               <a:r>
-                <a:rPr lang="en-US" sz="1000" dirty="0" smtClean="0">
+                <a:rPr lang="en-US" sz="1000" dirty="0">
                   <a:solidFill>
                     <a:schemeClr val="bg1">
                       <a:lumMod val="50000"/>
@@ -3789,13 +3718,6 @@
                 </a:rPr>
                 <a:t>12</a:t>
               </a:r>
-              <a:endParaRPr lang="en-US" sz="1000" dirty="0">
-                <a:solidFill>
-                  <a:schemeClr val="bg1">
-                    <a:lumMod val="50000"/>
-                  </a:schemeClr>
-                </a:solidFill>
-              </a:endParaRPr>
             </a:p>
           </p:txBody>
         </p:sp>
@@ -3846,7 +3768,7 @@
             <a:p>
               <a:pPr algn="ctr"/>
               <a:r>
-                <a:rPr lang="en-US" sz="1000" dirty="0" smtClean="0">
+                <a:rPr lang="en-US" sz="1000" dirty="0">
                   <a:solidFill>
                     <a:schemeClr val="bg1">
                       <a:lumMod val="50000"/>
@@ -3855,13 +3777,6 @@
                 </a:rPr>
                 <a:t>13</a:t>
               </a:r>
-              <a:endParaRPr lang="en-US" sz="1000" dirty="0">
-                <a:solidFill>
-                  <a:schemeClr val="bg1">
-                    <a:lumMod val="50000"/>
-                  </a:schemeClr>
-                </a:solidFill>
-              </a:endParaRPr>
             </a:p>
           </p:txBody>
         </p:sp>
@@ -3912,7 +3827,7 @@
             <a:p>
               <a:pPr algn="ctr"/>
               <a:r>
-                <a:rPr lang="en-US" sz="1000" dirty="0" smtClean="0">
+                <a:rPr lang="en-US" sz="1000" dirty="0">
                   <a:solidFill>
                     <a:schemeClr val="bg1">
                       <a:lumMod val="50000"/>
@@ -3921,13 +3836,6 @@
                 </a:rPr>
                 <a:t>14</a:t>
               </a:r>
-              <a:endParaRPr lang="en-US" sz="1000" dirty="0">
-                <a:solidFill>
-                  <a:schemeClr val="bg1">
-                    <a:lumMod val="50000"/>
-                  </a:schemeClr>
-                </a:solidFill>
-              </a:endParaRPr>
             </a:p>
           </p:txBody>
         </p:sp>
@@ -3978,7 +3886,7 @@
             <a:p>
               <a:pPr algn="ctr"/>
               <a:r>
-                <a:rPr lang="en-US" sz="1000" dirty="0" smtClean="0">
+                <a:rPr lang="en-US" sz="1000" dirty="0">
                   <a:solidFill>
                     <a:schemeClr val="bg1">
                       <a:lumMod val="50000"/>
@@ -3987,13 +3895,6 @@
                 </a:rPr>
                 <a:t>15</a:t>
               </a:r>
-              <a:endParaRPr lang="en-US" sz="1000" dirty="0">
-                <a:solidFill>
-                  <a:schemeClr val="bg1">
-                    <a:lumMod val="50000"/>
-                  </a:schemeClr>
-                </a:solidFill>
-              </a:endParaRPr>
             </a:p>
           </p:txBody>
         </p:sp>
@@ -4044,7 +3945,7 @@
             <a:p>
               <a:pPr algn="ctr"/>
               <a:r>
-                <a:rPr lang="en-US" sz="1000" dirty="0" smtClean="0">
+                <a:rPr lang="en-US" sz="1000" dirty="0">
                   <a:solidFill>
                     <a:schemeClr val="bg1">
                       <a:lumMod val="50000"/>
@@ -4053,13 +3954,6 @@
                 </a:rPr>
                 <a:t>16</a:t>
               </a:r>
-              <a:endParaRPr lang="en-US" sz="1000" dirty="0">
-                <a:solidFill>
-                  <a:schemeClr val="bg1">
-                    <a:lumMod val="50000"/>
-                  </a:schemeClr>
-                </a:solidFill>
-              </a:endParaRPr>
             </a:p>
           </p:txBody>
         </p:sp>
@@ -4110,7 +4004,7 @@
             <a:p>
               <a:pPr algn="ctr"/>
               <a:r>
-                <a:rPr lang="en-US" sz="1000" dirty="0" smtClean="0">
+                <a:rPr lang="en-US" sz="1000" dirty="0">
                   <a:solidFill>
                     <a:schemeClr val="bg1">
                       <a:lumMod val="50000"/>
@@ -4119,13 +4013,6 @@
                 </a:rPr>
                 <a:t>17</a:t>
               </a:r>
-              <a:endParaRPr lang="en-US" sz="1000" dirty="0">
-                <a:solidFill>
-                  <a:schemeClr val="bg1">
-                    <a:lumMod val="50000"/>
-                  </a:schemeClr>
-                </a:solidFill>
-              </a:endParaRPr>
             </a:p>
           </p:txBody>
         </p:sp>
@@ -4176,7 +4063,7 @@
             <a:p>
               <a:pPr algn="ctr"/>
               <a:r>
-                <a:rPr lang="en-US" sz="1000" dirty="0" smtClean="0">
+                <a:rPr lang="en-US" sz="1000" dirty="0">
                   <a:solidFill>
                     <a:schemeClr val="bg1">
                       <a:lumMod val="50000"/>
@@ -4185,13 +4072,6 @@
                 </a:rPr>
                 <a:t>18</a:t>
               </a:r>
-              <a:endParaRPr lang="en-US" sz="1000" dirty="0">
-                <a:solidFill>
-                  <a:schemeClr val="bg1">
-                    <a:lumMod val="50000"/>
-                  </a:schemeClr>
-                </a:solidFill>
-              </a:endParaRPr>
             </a:p>
           </p:txBody>
         </p:sp>
@@ -4242,7 +4122,7 @@
             <a:p>
               <a:pPr algn="ctr"/>
               <a:r>
-                <a:rPr lang="en-US" sz="1000" dirty="0" smtClean="0">
+                <a:rPr lang="en-US" sz="1000" dirty="0">
                   <a:solidFill>
                     <a:schemeClr val="bg1">
                       <a:lumMod val="50000"/>
@@ -4251,13 +4131,6 @@
                 </a:rPr>
                 <a:t>19</a:t>
               </a:r>
-              <a:endParaRPr lang="en-US" sz="1000" dirty="0">
-                <a:solidFill>
-                  <a:schemeClr val="bg1">
-                    <a:lumMod val="50000"/>
-                  </a:schemeClr>
-                </a:solidFill>
-              </a:endParaRPr>
             </a:p>
           </p:txBody>
         </p:sp>
@@ -4266,6 +4139,1423 @@
     <p:extLst>
       <p:ext uri="{BB962C8B-B14F-4D97-AF65-F5344CB8AC3E}">
         <p14:creationId xmlns:p14="http://schemas.microsoft.com/office/powerpoint/2010/main" val="456174538"/>
+      </p:ext>
+    </p:extLst>
+  </p:cSld>
+  <p:clrMapOvr>
+    <a:masterClrMapping/>
+  </p:clrMapOvr>
+</p:sld>
+</file>
+
+<file path=ppt/slides/slide2.xml><?xml version="1.0" encoding="utf-8"?>
+<p:sld xmlns:a="http://schemas.openxmlformats.org/drawingml/2006/main" xmlns:r="http://schemas.openxmlformats.org/officeDocument/2006/relationships" xmlns:p="http://schemas.openxmlformats.org/presentationml/2006/main">
+  <p:cSld>
+    <p:spTree>
+      <p:nvGrpSpPr>
+        <p:cNvPr id="1" name=""/>
+        <p:cNvGrpSpPr/>
+        <p:nvPr/>
+      </p:nvGrpSpPr>
+      <p:grpSpPr>
+        <a:xfrm>
+          <a:off x="0" y="0"/>
+          <a:ext cx="0" cy="0"/>
+          <a:chOff x="0" y="0"/>
+          <a:chExt cx="0" cy="0"/>
+        </a:xfrm>
+      </p:grpSpPr>
+      <p:pic>
+        <p:nvPicPr>
+          <p:cNvPr id="2" name="Picture 1"/>
+          <p:cNvPicPr>
+            <a:picLocks noChangeAspect="1"/>
+          </p:cNvPicPr>
+          <p:nvPr/>
+        </p:nvPicPr>
+        <p:blipFill rotWithShape="1">
+          <a:blip r:embed="rId2"/>
+          <a:srcRect l="11905" t="19828" r="28452" b="28857"/>
+          <a:stretch/>
+        </p:blipFill>
+        <p:spPr>
+          <a:xfrm>
+            <a:off x="0" y="411479"/>
+            <a:ext cx="11740526" cy="6313171"/>
+          </a:xfrm>
+          <a:prstGeom prst="rect">
+            <a:avLst/>
+          </a:prstGeom>
+        </p:spPr>
+      </p:pic>
+      <p:sp>
+        <p:nvSpPr>
+          <p:cNvPr id="7" name="Ellipse 6"/>
+          <p:cNvSpPr/>
+          <p:nvPr/>
+        </p:nvSpPr>
+        <p:spPr>
+          <a:xfrm>
+            <a:off x="167640" y="152400"/>
+            <a:ext cx="320040" cy="304800"/>
+          </a:xfrm>
+          <a:prstGeom prst="ellipse">
+            <a:avLst/>
+          </a:prstGeom>
+          <a:solidFill>
+            <a:schemeClr val="bg1"/>
+          </a:solidFill>
+          <a:ln>
+            <a:solidFill>
+              <a:schemeClr val="bg1">
+                <a:lumMod val="50000"/>
+              </a:schemeClr>
+            </a:solidFill>
+          </a:ln>
+        </p:spPr>
+        <p:style>
+          <a:lnRef idx="2">
+            <a:schemeClr val="accent1">
+              <a:shade val="50000"/>
+            </a:schemeClr>
+          </a:lnRef>
+          <a:fillRef idx="1">
+            <a:schemeClr val="accent1"/>
+          </a:fillRef>
+          <a:effectRef idx="0">
+            <a:schemeClr val="accent1"/>
+          </a:effectRef>
+          <a:fontRef idx="minor">
+            <a:schemeClr val="lt1"/>
+          </a:fontRef>
+        </p:style>
+        <p:txBody>
+          <a:bodyPr lIns="0" rIns="0" rtlCol="0" anchor="ctr"/>
+          <a:lstStyle/>
+          <a:p>
+            <a:pPr algn="ctr"/>
+            <a:r>
+              <a:rPr lang="en-US" sz="1000" dirty="0">
+                <a:solidFill>
+                  <a:schemeClr val="bg1">
+                    <a:lumMod val="50000"/>
+                  </a:schemeClr>
+                </a:solidFill>
+              </a:rPr>
+              <a:t>1</a:t>
+            </a:r>
+          </a:p>
+        </p:txBody>
+      </p:sp>
+      <p:sp>
+        <p:nvSpPr>
+          <p:cNvPr id="8" name="Ellipse 7"/>
+          <p:cNvSpPr/>
+          <p:nvPr/>
+        </p:nvSpPr>
+        <p:spPr>
+          <a:xfrm>
+            <a:off x="2529840" y="152400"/>
+            <a:ext cx="320040" cy="304800"/>
+          </a:xfrm>
+          <a:prstGeom prst="ellipse">
+            <a:avLst/>
+          </a:prstGeom>
+          <a:solidFill>
+            <a:schemeClr val="bg1"/>
+          </a:solidFill>
+          <a:ln>
+            <a:solidFill>
+              <a:schemeClr val="bg1">
+                <a:lumMod val="50000"/>
+              </a:schemeClr>
+            </a:solidFill>
+          </a:ln>
+        </p:spPr>
+        <p:style>
+          <a:lnRef idx="2">
+            <a:schemeClr val="accent1">
+              <a:shade val="50000"/>
+            </a:schemeClr>
+          </a:lnRef>
+          <a:fillRef idx="1">
+            <a:schemeClr val="accent1"/>
+          </a:fillRef>
+          <a:effectRef idx="0">
+            <a:schemeClr val="accent1"/>
+          </a:effectRef>
+          <a:fontRef idx="minor">
+            <a:schemeClr val="lt1"/>
+          </a:fontRef>
+        </p:style>
+        <p:txBody>
+          <a:bodyPr lIns="0" rIns="0" rtlCol="0" anchor="ctr"/>
+          <a:lstStyle/>
+          <a:p>
+            <a:pPr algn="ctr"/>
+            <a:r>
+              <a:rPr lang="en-US" sz="1000" dirty="0">
+                <a:solidFill>
+                  <a:schemeClr val="bg1">
+                    <a:lumMod val="50000"/>
+                  </a:schemeClr>
+                </a:solidFill>
+              </a:rPr>
+              <a:t>2</a:t>
+            </a:r>
+          </a:p>
+        </p:txBody>
+      </p:sp>
+      <p:sp>
+        <p:nvSpPr>
+          <p:cNvPr id="9" name="Ellipse 8"/>
+          <p:cNvSpPr/>
+          <p:nvPr/>
+        </p:nvSpPr>
+        <p:spPr>
+          <a:xfrm>
+            <a:off x="4693920" y="152400"/>
+            <a:ext cx="320040" cy="304800"/>
+          </a:xfrm>
+          <a:prstGeom prst="ellipse">
+            <a:avLst/>
+          </a:prstGeom>
+          <a:solidFill>
+            <a:schemeClr val="bg1"/>
+          </a:solidFill>
+          <a:ln>
+            <a:solidFill>
+              <a:schemeClr val="bg1">
+                <a:lumMod val="50000"/>
+              </a:schemeClr>
+            </a:solidFill>
+          </a:ln>
+        </p:spPr>
+        <p:style>
+          <a:lnRef idx="2">
+            <a:schemeClr val="accent1">
+              <a:shade val="50000"/>
+            </a:schemeClr>
+          </a:lnRef>
+          <a:fillRef idx="1">
+            <a:schemeClr val="accent1"/>
+          </a:fillRef>
+          <a:effectRef idx="0">
+            <a:schemeClr val="accent1"/>
+          </a:effectRef>
+          <a:fontRef idx="minor">
+            <a:schemeClr val="lt1"/>
+          </a:fontRef>
+        </p:style>
+        <p:txBody>
+          <a:bodyPr lIns="0" rIns="0" rtlCol="0" anchor="ctr"/>
+          <a:lstStyle/>
+          <a:p>
+            <a:pPr algn="ctr"/>
+            <a:r>
+              <a:rPr lang="en-US" sz="1000" dirty="0">
+                <a:solidFill>
+                  <a:schemeClr val="bg1">
+                    <a:lumMod val="50000"/>
+                  </a:schemeClr>
+                </a:solidFill>
+              </a:rPr>
+              <a:t>3</a:t>
+            </a:r>
+          </a:p>
+        </p:txBody>
+      </p:sp>
+      <p:sp>
+        <p:nvSpPr>
+          <p:cNvPr id="10" name="Ellipse 9"/>
+          <p:cNvSpPr/>
+          <p:nvPr/>
+        </p:nvSpPr>
+        <p:spPr>
+          <a:xfrm>
+            <a:off x="7406640" y="152400"/>
+            <a:ext cx="320040" cy="304800"/>
+          </a:xfrm>
+          <a:prstGeom prst="ellipse">
+            <a:avLst/>
+          </a:prstGeom>
+          <a:solidFill>
+            <a:schemeClr val="bg1"/>
+          </a:solidFill>
+          <a:ln>
+            <a:solidFill>
+              <a:schemeClr val="bg1">
+                <a:lumMod val="50000"/>
+              </a:schemeClr>
+            </a:solidFill>
+          </a:ln>
+        </p:spPr>
+        <p:style>
+          <a:lnRef idx="2">
+            <a:schemeClr val="accent1">
+              <a:shade val="50000"/>
+            </a:schemeClr>
+          </a:lnRef>
+          <a:fillRef idx="1">
+            <a:schemeClr val="accent1"/>
+          </a:fillRef>
+          <a:effectRef idx="0">
+            <a:schemeClr val="accent1"/>
+          </a:effectRef>
+          <a:fontRef idx="minor">
+            <a:schemeClr val="lt1"/>
+          </a:fontRef>
+        </p:style>
+        <p:txBody>
+          <a:bodyPr lIns="0" rIns="0" rtlCol="0" anchor="ctr"/>
+          <a:lstStyle/>
+          <a:p>
+            <a:pPr algn="ctr"/>
+            <a:r>
+              <a:rPr lang="en-US" sz="1000" dirty="0">
+                <a:solidFill>
+                  <a:schemeClr val="bg1">
+                    <a:lumMod val="50000"/>
+                  </a:schemeClr>
+                </a:solidFill>
+              </a:rPr>
+              <a:t>4</a:t>
+            </a:r>
+          </a:p>
+        </p:txBody>
+      </p:sp>
+      <p:sp>
+        <p:nvSpPr>
+          <p:cNvPr id="11" name="Ellipse 10"/>
+          <p:cNvSpPr/>
+          <p:nvPr/>
+        </p:nvSpPr>
+        <p:spPr>
+          <a:xfrm>
+            <a:off x="9174480" y="106680"/>
+            <a:ext cx="320040" cy="304800"/>
+          </a:xfrm>
+          <a:prstGeom prst="ellipse">
+            <a:avLst/>
+          </a:prstGeom>
+          <a:solidFill>
+            <a:schemeClr val="bg1"/>
+          </a:solidFill>
+          <a:ln>
+            <a:solidFill>
+              <a:schemeClr val="bg1">
+                <a:lumMod val="50000"/>
+              </a:schemeClr>
+            </a:solidFill>
+          </a:ln>
+        </p:spPr>
+        <p:style>
+          <a:lnRef idx="2">
+            <a:schemeClr val="accent1">
+              <a:shade val="50000"/>
+            </a:schemeClr>
+          </a:lnRef>
+          <a:fillRef idx="1">
+            <a:schemeClr val="accent1"/>
+          </a:fillRef>
+          <a:effectRef idx="0">
+            <a:schemeClr val="accent1"/>
+          </a:effectRef>
+          <a:fontRef idx="minor">
+            <a:schemeClr val="lt1"/>
+          </a:fontRef>
+        </p:style>
+        <p:txBody>
+          <a:bodyPr lIns="0" rIns="0" rtlCol="0" anchor="ctr"/>
+          <a:lstStyle/>
+          <a:p>
+            <a:pPr algn="ctr"/>
+            <a:r>
+              <a:rPr lang="en-US" sz="1000" dirty="0">
+                <a:solidFill>
+                  <a:schemeClr val="bg1">
+                    <a:lumMod val="50000"/>
+                  </a:schemeClr>
+                </a:solidFill>
+              </a:rPr>
+              <a:t>5</a:t>
+            </a:r>
+          </a:p>
+        </p:txBody>
+      </p:sp>
+      <p:sp>
+        <p:nvSpPr>
+          <p:cNvPr id="12" name="Ellipse 11"/>
+          <p:cNvSpPr/>
+          <p:nvPr/>
+        </p:nvSpPr>
+        <p:spPr>
+          <a:xfrm>
+            <a:off x="1203960" y="960120"/>
+            <a:ext cx="320040" cy="304800"/>
+          </a:xfrm>
+          <a:prstGeom prst="ellipse">
+            <a:avLst/>
+          </a:prstGeom>
+          <a:solidFill>
+            <a:schemeClr val="bg1"/>
+          </a:solidFill>
+          <a:ln>
+            <a:solidFill>
+              <a:schemeClr val="bg1">
+                <a:lumMod val="50000"/>
+              </a:schemeClr>
+            </a:solidFill>
+          </a:ln>
+        </p:spPr>
+        <p:style>
+          <a:lnRef idx="2">
+            <a:schemeClr val="accent1">
+              <a:shade val="50000"/>
+            </a:schemeClr>
+          </a:lnRef>
+          <a:fillRef idx="1">
+            <a:schemeClr val="accent1"/>
+          </a:fillRef>
+          <a:effectRef idx="0">
+            <a:schemeClr val="accent1"/>
+          </a:effectRef>
+          <a:fontRef idx="minor">
+            <a:schemeClr val="lt1"/>
+          </a:fontRef>
+        </p:style>
+        <p:txBody>
+          <a:bodyPr lIns="0" rIns="0" rtlCol="0" anchor="ctr"/>
+          <a:lstStyle/>
+          <a:p>
+            <a:pPr algn="ctr"/>
+            <a:r>
+              <a:rPr lang="en-US" sz="1000" dirty="0">
+                <a:solidFill>
+                  <a:schemeClr val="bg1">
+                    <a:lumMod val="50000"/>
+                  </a:schemeClr>
+                </a:solidFill>
+              </a:rPr>
+              <a:t>6</a:t>
+            </a:r>
+          </a:p>
+        </p:txBody>
+      </p:sp>
+      <p:sp>
+        <p:nvSpPr>
+          <p:cNvPr id="13" name="Ellipse 12"/>
+          <p:cNvSpPr/>
+          <p:nvPr/>
+        </p:nvSpPr>
+        <p:spPr>
+          <a:xfrm>
+            <a:off x="4107180" y="1017270"/>
+            <a:ext cx="320040" cy="304800"/>
+          </a:xfrm>
+          <a:prstGeom prst="ellipse">
+            <a:avLst/>
+          </a:prstGeom>
+          <a:solidFill>
+            <a:schemeClr val="bg1"/>
+          </a:solidFill>
+          <a:ln>
+            <a:solidFill>
+              <a:schemeClr val="bg1">
+                <a:lumMod val="50000"/>
+              </a:schemeClr>
+            </a:solidFill>
+          </a:ln>
+        </p:spPr>
+        <p:style>
+          <a:lnRef idx="2">
+            <a:schemeClr val="accent1">
+              <a:shade val="50000"/>
+            </a:schemeClr>
+          </a:lnRef>
+          <a:fillRef idx="1">
+            <a:schemeClr val="accent1"/>
+          </a:fillRef>
+          <a:effectRef idx="0">
+            <a:schemeClr val="accent1"/>
+          </a:effectRef>
+          <a:fontRef idx="minor">
+            <a:schemeClr val="lt1"/>
+          </a:fontRef>
+        </p:style>
+        <p:txBody>
+          <a:bodyPr lIns="0" rIns="0" rtlCol="0" anchor="ctr"/>
+          <a:lstStyle/>
+          <a:p>
+            <a:pPr algn="ctr"/>
+            <a:r>
+              <a:rPr lang="en-US" sz="1000" dirty="0">
+                <a:solidFill>
+                  <a:schemeClr val="bg1">
+                    <a:lumMod val="50000"/>
+                  </a:schemeClr>
+                </a:solidFill>
+              </a:rPr>
+              <a:t>7</a:t>
+            </a:r>
+          </a:p>
+        </p:txBody>
+      </p:sp>
+      <p:sp>
+        <p:nvSpPr>
+          <p:cNvPr id="14" name="Ellipse 13"/>
+          <p:cNvSpPr/>
+          <p:nvPr/>
+        </p:nvSpPr>
+        <p:spPr>
+          <a:xfrm>
+            <a:off x="9067800" y="990600"/>
+            <a:ext cx="320040" cy="304800"/>
+          </a:xfrm>
+          <a:prstGeom prst="ellipse">
+            <a:avLst/>
+          </a:prstGeom>
+          <a:solidFill>
+            <a:schemeClr val="bg1"/>
+          </a:solidFill>
+          <a:ln>
+            <a:solidFill>
+              <a:schemeClr val="bg1">
+                <a:lumMod val="50000"/>
+              </a:schemeClr>
+            </a:solidFill>
+          </a:ln>
+        </p:spPr>
+        <p:style>
+          <a:lnRef idx="2">
+            <a:schemeClr val="accent1">
+              <a:shade val="50000"/>
+            </a:schemeClr>
+          </a:lnRef>
+          <a:fillRef idx="1">
+            <a:schemeClr val="accent1"/>
+          </a:fillRef>
+          <a:effectRef idx="0">
+            <a:schemeClr val="accent1"/>
+          </a:effectRef>
+          <a:fontRef idx="minor">
+            <a:schemeClr val="lt1"/>
+          </a:fontRef>
+        </p:style>
+        <p:txBody>
+          <a:bodyPr lIns="0" rIns="0" rtlCol="0" anchor="ctr"/>
+          <a:lstStyle/>
+          <a:p>
+            <a:pPr algn="ctr"/>
+            <a:r>
+              <a:rPr lang="en-US" sz="1000" dirty="0">
+                <a:solidFill>
+                  <a:schemeClr val="bg1">
+                    <a:lumMod val="50000"/>
+                  </a:schemeClr>
+                </a:solidFill>
+              </a:rPr>
+              <a:t>8</a:t>
+            </a:r>
+          </a:p>
+        </p:txBody>
+      </p:sp>
+      <p:sp>
+        <p:nvSpPr>
+          <p:cNvPr id="15" name="Ellipse 14"/>
+          <p:cNvSpPr/>
+          <p:nvPr/>
+        </p:nvSpPr>
+        <p:spPr>
+          <a:xfrm>
+            <a:off x="8103870" y="1516383"/>
+            <a:ext cx="320040" cy="304800"/>
+          </a:xfrm>
+          <a:prstGeom prst="ellipse">
+            <a:avLst/>
+          </a:prstGeom>
+          <a:solidFill>
+            <a:schemeClr val="bg1"/>
+          </a:solidFill>
+          <a:ln>
+            <a:solidFill>
+              <a:schemeClr val="bg1">
+                <a:lumMod val="50000"/>
+              </a:schemeClr>
+            </a:solidFill>
+          </a:ln>
+        </p:spPr>
+        <p:style>
+          <a:lnRef idx="2">
+            <a:schemeClr val="accent1">
+              <a:shade val="50000"/>
+            </a:schemeClr>
+          </a:lnRef>
+          <a:fillRef idx="1">
+            <a:schemeClr val="accent1"/>
+          </a:fillRef>
+          <a:effectRef idx="0">
+            <a:schemeClr val="accent1"/>
+          </a:effectRef>
+          <a:fontRef idx="minor">
+            <a:schemeClr val="lt1"/>
+          </a:fontRef>
+        </p:style>
+        <p:txBody>
+          <a:bodyPr lIns="0" rIns="0" rtlCol="0" anchor="ctr"/>
+          <a:lstStyle/>
+          <a:p>
+            <a:pPr algn="ctr"/>
+            <a:r>
+              <a:rPr lang="en-US" sz="1000" dirty="0">
+                <a:solidFill>
+                  <a:schemeClr val="bg1">
+                    <a:lumMod val="50000"/>
+                  </a:schemeClr>
+                </a:solidFill>
+              </a:rPr>
+              <a:t>11</a:t>
+            </a:r>
+          </a:p>
+        </p:txBody>
+      </p:sp>
+      <p:sp>
+        <p:nvSpPr>
+          <p:cNvPr id="16" name="Ellipse 15"/>
+          <p:cNvSpPr/>
+          <p:nvPr/>
+        </p:nvSpPr>
+        <p:spPr>
+          <a:xfrm>
+            <a:off x="4023360" y="2316480"/>
+            <a:ext cx="320040" cy="304800"/>
+          </a:xfrm>
+          <a:prstGeom prst="ellipse">
+            <a:avLst/>
+          </a:prstGeom>
+          <a:solidFill>
+            <a:schemeClr val="bg1"/>
+          </a:solidFill>
+          <a:ln>
+            <a:solidFill>
+              <a:schemeClr val="bg1">
+                <a:lumMod val="50000"/>
+              </a:schemeClr>
+            </a:solidFill>
+          </a:ln>
+        </p:spPr>
+        <p:style>
+          <a:lnRef idx="2">
+            <a:schemeClr val="accent1">
+              <a:shade val="50000"/>
+            </a:schemeClr>
+          </a:lnRef>
+          <a:fillRef idx="1">
+            <a:schemeClr val="accent1"/>
+          </a:fillRef>
+          <a:effectRef idx="0">
+            <a:schemeClr val="accent1"/>
+          </a:effectRef>
+          <a:fontRef idx="minor">
+            <a:schemeClr val="lt1"/>
+          </a:fontRef>
+        </p:style>
+        <p:txBody>
+          <a:bodyPr lIns="0" rIns="0" rtlCol="0" anchor="ctr"/>
+          <a:lstStyle/>
+          <a:p>
+            <a:pPr algn="ctr"/>
+            <a:r>
+              <a:rPr lang="en-US" sz="1000" dirty="0">
+                <a:solidFill>
+                  <a:schemeClr val="bg1">
+                    <a:lumMod val="50000"/>
+                  </a:schemeClr>
+                </a:solidFill>
+              </a:rPr>
+              <a:t>10</a:t>
+            </a:r>
+          </a:p>
+        </p:txBody>
+      </p:sp>
+      <p:sp>
+        <p:nvSpPr>
+          <p:cNvPr id="17" name="Ellipse 16"/>
+          <p:cNvSpPr/>
+          <p:nvPr/>
+        </p:nvSpPr>
+        <p:spPr>
+          <a:xfrm>
+            <a:off x="1203960" y="1798322"/>
+            <a:ext cx="320040" cy="304800"/>
+          </a:xfrm>
+          <a:prstGeom prst="ellipse">
+            <a:avLst/>
+          </a:prstGeom>
+          <a:solidFill>
+            <a:schemeClr val="bg1"/>
+          </a:solidFill>
+          <a:ln>
+            <a:solidFill>
+              <a:schemeClr val="bg1">
+                <a:lumMod val="50000"/>
+              </a:schemeClr>
+            </a:solidFill>
+          </a:ln>
+        </p:spPr>
+        <p:style>
+          <a:lnRef idx="2">
+            <a:schemeClr val="accent1">
+              <a:shade val="50000"/>
+            </a:schemeClr>
+          </a:lnRef>
+          <a:fillRef idx="1">
+            <a:schemeClr val="accent1"/>
+          </a:fillRef>
+          <a:effectRef idx="0">
+            <a:schemeClr val="accent1"/>
+          </a:effectRef>
+          <a:fontRef idx="minor">
+            <a:schemeClr val="lt1"/>
+          </a:fontRef>
+        </p:style>
+        <p:txBody>
+          <a:bodyPr lIns="0" rIns="0" rtlCol="0" anchor="ctr"/>
+          <a:lstStyle/>
+          <a:p>
+            <a:pPr algn="ctr"/>
+            <a:r>
+              <a:rPr lang="en-US" sz="1000" dirty="0">
+                <a:solidFill>
+                  <a:schemeClr val="bg1">
+                    <a:lumMod val="50000"/>
+                  </a:schemeClr>
+                </a:solidFill>
+              </a:rPr>
+              <a:t>9</a:t>
+            </a:r>
+          </a:p>
+        </p:txBody>
+      </p:sp>
+      <p:sp>
+        <p:nvSpPr>
+          <p:cNvPr id="18" name="Ellipse 17"/>
+          <p:cNvSpPr/>
+          <p:nvPr/>
+        </p:nvSpPr>
+        <p:spPr>
+          <a:xfrm>
+            <a:off x="792480" y="2918460"/>
+            <a:ext cx="320040" cy="304800"/>
+          </a:xfrm>
+          <a:prstGeom prst="ellipse">
+            <a:avLst/>
+          </a:prstGeom>
+          <a:solidFill>
+            <a:schemeClr val="bg1"/>
+          </a:solidFill>
+          <a:ln>
+            <a:solidFill>
+              <a:schemeClr val="bg1">
+                <a:lumMod val="50000"/>
+              </a:schemeClr>
+            </a:solidFill>
+          </a:ln>
+        </p:spPr>
+        <p:style>
+          <a:lnRef idx="2">
+            <a:schemeClr val="accent1">
+              <a:shade val="50000"/>
+            </a:schemeClr>
+          </a:lnRef>
+          <a:fillRef idx="1">
+            <a:schemeClr val="accent1"/>
+          </a:fillRef>
+          <a:effectRef idx="0">
+            <a:schemeClr val="accent1"/>
+          </a:effectRef>
+          <a:fontRef idx="minor">
+            <a:schemeClr val="lt1"/>
+          </a:fontRef>
+        </p:style>
+        <p:txBody>
+          <a:bodyPr lIns="0" rIns="0" rtlCol="0" anchor="ctr"/>
+          <a:lstStyle/>
+          <a:p>
+            <a:pPr algn="ctr"/>
+            <a:r>
+              <a:rPr lang="en-US" sz="1000" dirty="0">
+                <a:solidFill>
+                  <a:schemeClr val="bg1">
+                    <a:lumMod val="50000"/>
+                  </a:schemeClr>
+                </a:solidFill>
+              </a:rPr>
+              <a:t>12</a:t>
+            </a:r>
+          </a:p>
+        </p:txBody>
+      </p:sp>
+      <p:sp>
+        <p:nvSpPr>
+          <p:cNvPr id="19" name="Ellipse 18"/>
+          <p:cNvSpPr/>
+          <p:nvPr/>
+        </p:nvSpPr>
+        <p:spPr>
+          <a:xfrm>
+            <a:off x="2453640" y="2945130"/>
+            <a:ext cx="320040" cy="304800"/>
+          </a:xfrm>
+          <a:prstGeom prst="ellipse">
+            <a:avLst/>
+          </a:prstGeom>
+          <a:solidFill>
+            <a:schemeClr val="bg1"/>
+          </a:solidFill>
+          <a:ln>
+            <a:solidFill>
+              <a:schemeClr val="bg1">
+                <a:lumMod val="50000"/>
+              </a:schemeClr>
+            </a:solidFill>
+          </a:ln>
+        </p:spPr>
+        <p:style>
+          <a:lnRef idx="2">
+            <a:schemeClr val="accent1">
+              <a:shade val="50000"/>
+            </a:schemeClr>
+          </a:lnRef>
+          <a:fillRef idx="1">
+            <a:schemeClr val="accent1"/>
+          </a:fillRef>
+          <a:effectRef idx="0">
+            <a:schemeClr val="accent1"/>
+          </a:effectRef>
+          <a:fontRef idx="minor">
+            <a:schemeClr val="lt1"/>
+          </a:fontRef>
+        </p:style>
+        <p:txBody>
+          <a:bodyPr lIns="0" rIns="0" rtlCol="0" anchor="ctr"/>
+          <a:lstStyle/>
+          <a:p>
+            <a:pPr algn="ctr"/>
+            <a:r>
+              <a:rPr lang="en-US" sz="1000" dirty="0">
+                <a:solidFill>
+                  <a:schemeClr val="bg1">
+                    <a:lumMod val="50000"/>
+                  </a:schemeClr>
+                </a:solidFill>
+              </a:rPr>
+              <a:t>13</a:t>
+            </a:r>
+          </a:p>
+        </p:txBody>
+      </p:sp>
+      <p:sp>
+        <p:nvSpPr>
+          <p:cNvPr id="20" name="Ellipse 19"/>
+          <p:cNvSpPr/>
+          <p:nvPr/>
+        </p:nvSpPr>
+        <p:spPr>
+          <a:xfrm>
+            <a:off x="2689860" y="3733800"/>
+            <a:ext cx="320040" cy="304800"/>
+          </a:xfrm>
+          <a:prstGeom prst="ellipse">
+            <a:avLst/>
+          </a:prstGeom>
+          <a:solidFill>
+            <a:schemeClr val="bg1"/>
+          </a:solidFill>
+          <a:ln>
+            <a:solidFill>
+              <a:schemeClr val="bg1">
+                <a:lumMod val="50000"/>
+              </a:schemeClr>
+            </a:solidFill>
+          </a:ln>
+        </p:spPr>
+        <p:style>
+          <a:lnRef idx="2">
+            <a:schemeClr val="accent1">
+              <a:shade val="50000"/>
+            </a:schemeClr>
+          </a:lnRef>
+          <a:fillRef idx="1">
+            <a:schemeClr val="accent1"/>
+          </a:fillRef>
+          <a:effectRef idx="0">
+            <a:schemeClr val="accent1"/>
+          </a:effectRef>
+          <a:fontRef idx="minor">
+            <a:schemeClr val="lt1"/>
+          </a:fontRef>
+        </p:style>
+        <p:txBody>
+          <a:bodyPr lIns="0" rIns="0" rtlCol="0" anchor="ctr"/>
+          <a:lstStyle/>
+          <a:p>
+            <a:pPr algn="ctr"/>
+            <a:r>
+              <a:rPr lang="en-US" sz="1000" dirty="0">
+                <a:solidFill>
+                  <a:schemeClr val="bg1">
+                    <a:lumMod val="50000"/>
+                  </a:schemeClr>
+                </a:solidFill>
+              </a:rPr>
+              <a:t>14</a:t>
+            </a:r>
+          </a:p>
+        </p:txBody>
+      </p:sp>
+      <p:sp>
+        <p:nvSpPr>
+          <p:cNvPr id="21" name="Ellipse 20"/>
+          <p:cNvSpPr/>
+          <p:nvPr/>
+        </p:nvSpPr>
+        <p:spPr>
+          <a:xfrm>
+            <a:off x="4853940" y="3733800"/>
+            <a:ext cx="320040" cy="304800"/>
+          </a:xfrm>
+          <a:prstGeom prst="ellipse">
+            <a:avLst/>
+          </a:prstGeom>
+          <a:solidFill>
+            <a:schemeClr val="bg1"/>
+          </a:solidFill>
+          <a:ln>
+            <a:solidFill>
+              <a:schemeClr val="bg1">
+                <a:lumMod val="50000"/>
+              </a:schemeClr>
+            </a:solidFill>
+          </a:ln>
+        </p:spPr>
+        <p:style>
+          <a:lnRef idx="2">
+            <a:schemeClr val="accent1">
+              <a:shade val="50000"/>
+            </a:schemeClr>
+          </a:lnRef>
+          <a:fillRef idx="1">
+            <a:schemeClr val="accent1"/>
+          </a:fillRef>
+          <a:effectRef idx="0">
+            <a:schemeClr val="accent1"/>
+          </a:effectRef>
+          <a:fontRef idx="minor">
+            <a:schemeClr val="lt1"/>
+          </a:fontRef>
+        </p:style>
+        <p:txBody>
+          <a:bodyPr lIns="0" rIns="0" rtlCol="0" anchor="ctr"/>
+          <a:lstStyle/>
+          <a:p>
+            <a:pPr algn="ctr"/>
+            <a:r>
+              <a:rPr lang="en-US" sz="1000" dirty="0">
+                <a:solidFill>
+                  <a:schemeClr val="bg1">
+                    <a:lumMod val="50000"/>
+                  </a:schemeClr>
+                </a:solidFill>
+              </a:rPr>
+              <a:t>15</a:t>
+            </a:r>
+          </a:p>
+        </p:txBody>
+      </p:sp>
+      <p:sp>
+        <p:nvSpPr>
+          <p:cNvPr id="22" name="Ellipse 21"/>
+          <p:cNvSpPr/>
+          <p:nvPr/>
+        </p:nvSpPr>
+        <p:spPr>
+          <a:xfrm>
+            <a:off x="7246620" y="3733800"/>
+            <a:ext cx="320040" cy="304800"/>
+          </a:xfrm>
+          <a:prstGeom prst="ellipse">
+            <a:avLst/>
+          </a:prstGeom>
+          <a:solidFill>
+            <a:schemeClr val="bg1"/>
+          </a:solidFill>
+          <a:ln>
+            <a:solidFill>
+              <a:schemeClr val="bg1">
+                <a:lumMod val="50000"/>
+              </a:schemeClr>
+            </a:solidFill>
+          </a:ln>
+        </p:spPr>
+        <p:style>
+          <a:lnRef idx="2">
+            <a:schemeClr val="accent1">
+              <a:shade val="50000"/>
+            </a:schemeClr>
+          </a:lnRef>
+          <a:fillRef idx="1">
+            <a:schemeClr val="accent1"/>
+          </a:fillRef>
+          <a:effectRef idx="0">
+            <a:schemeClr val="accent1"/>
+          </a:effectRef>
+          <a:fontRef idx="minor">
+            <a:schemeClr val="lt1"/>
+          </a:fontRef>
+        </p:style>
+        <p:txBody>
+          <a:bodyPr lIns="0" rIns="0" rtlCol="0" anchor="ctr"/>
+          <a:lstStyle/>
+          <a:p>
+            <a:pPr algn="ctr"/>
+            <a:r>
+              <a:rPr lang="en-US" sz="1000" dirty="0">
+                <a:solidFill>
+                  <a:schemeClr val="bg1">
+                    <a:lumMod val="50000"/>
+                  </a:schemeClr>
+                </a:solidFill>
+              </a:rPr>
+              <a:t>16</a:t>
+            </a:r>
+          </a:p>
+        </p:txBody>
+      </p:sp>
+      <p:sp>
+        <p:nvSpPr>
+          <p:cNvPr id="23" name="Ellipse 22"/>
+          <p:cNvSpPr/>
+          <p:nvPr/>
+        </p:nvSpPr>
+        <p:spPr>
+          <a:xfrm>
+            <a:off x="10173101" y="3733800"/>
+            <a:ext cx="320040" cy="304800"/>
+          </a:xfrm>
+          <a:prstGeom prst="ellipse">
+            <a:avLst/>
+          </a:prstGeom>
+          <a:solidFill>
+            <a:schemeClr val="bg1"/>
+          </a:solidFill>
+          <a:ln>
+            <a:solidFill>
+              <a:schemeClr val="bg1">
+                <a:lumMod val="50000"/>
+              </a:schemeClr>
+            </a:solidFill>
+          </a:ln>
+        </p:spPr>
+        <p:style>
+          <a:lnRef idx="2">
+            <a:schemeClr val="accent1">
+              <a:shade val="50000"/>
+            </a:schemeClr>
+          </a:lnRef>
+          <a:fillRef idx="1">
+            <a:schemeClr val="accent1"/>
+          </a:fillRef>
+          <a:effectRef idx="0">
+            <a:schemeClr val="accent1"/>
+          </a:effectRef>
+          <a:fontRef idx="minor">
+            <a:schemeClr val="lt1"/>
+          </a:fontRef>
+        </p:style>
+        <p:txBody>
+          <a:bodyPr lIns="0" rIns="0" rtlCol="0" anchor="ctr"/>
+          <a:lstStyle/>
+          <a:p>
+            <a:pPr algn="ctr"/>
+            <a:r>
+              <a:rPr lang="en-US" sz="1000" dirty="0">
+                <a:solidFill>
+                  <a:schemeClr val="bg1">
+                    <a:lumMod val="50000"/>
+                  </a:schemeClr>
+                </a:solidFill>
+              </a:rPr>
+              <a:t>17</a:t>
+            </a:r>
+          </a:p>
+        </p:txBody>
+      </p:sp>
+      <p:sp>
+        <p:nvSpPr>
+          <p:cNvPr id="24" name="Ellipse 23"/>
+          <p:cNvSpPr/>
+          <p:nvPr/>
+        </p:nvSpPr>
+        <p:spPr>
+          <a:xfrm>
+            <a:off x="3947160" y="4520565"/>
+            <a:ext cx="320040" cy="304800"/>
+          </a:xfrm>
+          <a:prstGeom prst="ellipse">
+            <a:avLst/>
+          </a:prstGeom>
+          <a:solidFill>
+            <a:schemeClr val="bg1"/>
+          </a:solidFill>
+          <a:ln>
+            <a:solidFill>
+              <a:schemeClr val="bg1">
+                <a:lumMod val="50000"/>
+              </a:schemeClr>
+            </a:solidFill>
+          </a:ln>
+        </p:spPr>
+        <p:style>
+          <a:lnRef idx="2">
+            <a:schemeClr val="accent1">
+              <a:shade val="50000"/>
+            </a:schemeClr>
+          </a:lnRef>
+          <a:fillRef idx="1">
+            <a:schemeClr val="accent1"/>
+          </a:fillRef>
+          <a:effectRef idx="0">
+            <a:schemeClr val="accent1"/>
+          </a:effectRef>
+          <a:fontRef idx="minor">
+            <a:schemeClr val="lt1"/>
+          </a:fontRef>
+        </p:style>
+        <p:txBody>
+          <a:bodyPr lIns="0" rIns="0" rtlCol="0" anchor="ctr"/>
+          <a:lstStyle/>
+          <a:p>
+            <a:pPr algn="ctr"/>
+            <a:r>
+              <a:rPr lang="en-US" sz="1000" dirty="0">
+                <a:solidFill>
+                  <a:schemeClr val="bg1">
+                    <a:lumMod val="50000"/>
+                  </a:schemeClr>
+                </a:solidFill>
+              </a:rPr>
+              <a:t>18</a:t>
+            </a:r>
+          </a:p>
+        </p:txBody>
+      </p:sp>
+      <p:sp>
+        <p:nvSpPr>
+          <p:cNvPr id="25" name="Ellipse 24"/>
+          <p:cNvSpPr/>
+          <p:nvPr/>
+        </p:nvSpPr>
+        <p:spPr>
+          <a:xfrm>
+            <a:off x="7246620" y="4520565"/>
+            <a:ext cx="320040" cy="304800"/>
+          </a:xfrm>
+          <a:prstGeom prst="ellipse">
+            <a:avLst/>
+          </a:prstGeom>
+          <a:solidFill>
+            <a:schemeClr val="bg1"/>
+          </a:solidFill>
+          <a:ln>
+            <a:solidFill>
+              <a:schemeClr val="bg1">
+                <a:lumMod val="50000"/>
+              </a:schemeClr>
+            </a:solidFill>
+          </a:ln>
+        </p:spPr>
+        <p:style>
+          <a:lnRef idx="2">
+            <a:schemeClr val="accent1">
+              <a:shade val="50000"/>
+            </a:schemeClr>
+          </a:lnRef>
+          <a:fillRef idx="1">
+            <a:schemeClr val="accent1"/>
+          </a:fillRef>
+          <a:effectRef idx="0">
+            <a:schemeClr val="accent1"/>
+          </a:effectRef>
+          <a:fontRef idx="minor">
+            <a:schemeClr val="lt1"/>
+          </a:fontRef>
+        </p:style>
+        <p:txBody>
+          <a:bodyPr lIns="0" rIns="0" rtlCol="0" anchor="ctr"/>
+          <a:lstStyle/>
+          <a:p>
+            <a:pPr algn="ctr"/>
+            <a:r>
+              <a:rPr lang="en-US" sz="1000" dirty="0">
+                <a:solidFill>
+                  <a:schemeClr val="bg1">
+                    <a:lumMod val="50000"/>
+                  </a:schemeClr>
+                </a:solidFill>
+              </a:rPr>
+              <a:t>19</a:t>
+            </a:r>
+          </a:p>
+        </p:txBody>
+      </p:sp>
+      <p:sp>
+        <p:nvSpPr>
+          <p:cNvPr id="27" name="Ellipse 24"/>
+          <p:cNvSpPr/>
+          <p:nvPr/>
+        </p:nvSpPr>
+        <p:spPr>
+          <a:xfrm>
+            <a:off x="167640" y="5120643"/>
+            <a:ext cx="320040" cy="304800"/>
+          </a:xfrm>
+          <a:prstGeom prst="ellipse">
+            <a:avLst/>
+          </a:prstGeom>
+          <a:solidFill>
+            <a:schemeClr val="bg1"/>
+          </a:solidFill>
+          <a:ln>
+            <a:solidFill>
+              <a:schemeClr val="bg1">
+                <a:lumMod val="50000"/>
+              </a:schemeClr>
+            </a:solidFill>
+          </a:ln>
+        </p:spPr>
+        <p:style>
+          <a:lnRef idx="2">
+            <a:schemeClr val="accent1">
+              <a:shade val="50000"/>
+            </a:schemeClr>
+          </a:lnRef>
+          <a:fillRef idx="1">
+            <a:schemeClr val="accent1"/>
+          </a:fillRef>
+          <a:effectRef idx="0">
+            <a:schemeClr val="accent1"/>
+          </a:effectRef>
+          <a:fontRef idx="minor">
+            <a:schemeClr val="lt1"/>
+          </a:fontRef>
+        </p:style>
+        <p:txBody>
+          <a:bodyPr lIns="0" rIns="0" rtlCol="0" anchor="ctr"/>
+          <a:lstStyle/>
+          <a:p>
+            <a:pPr algn="ctr"/>
+            <a:r>
+              <a:rPr lang="en-US" sz="1000" dirty="0">
+                <a:solidFill>
+                  <a:schemeClr val="bg1">
+                    <a:lumMod val="50000"/>
+                  </a:schemeClr>
+                </a:solidFill>
+              </a:rPr>
+              <a:t>20</a:t>
+            </a:r>
+          </a:p>
+        </p:txBody>
+      </p:sp>
+      <p:sp>
+        <p:nvSpPr>
+          <p:cNvPr id="28" name="Ellipse 24"/>
+          <p:cNvSpPr/>
+          <p:nvPr/>
+        </p:nvSpPr>
+        <p:spPr>
+          <a:xfrm>
+            <a:off x="2773680" y="5120643"/>
+            <a:ext cx="320040" cy="304800"/>
+          </a:xfrm>
+          <a:prstGeom prst="ellipse">
+            <a:avLst/>
+          </a:prstGeom>
+          <a:solidFill>
+            <a:schemeClr val="bg1"/>
+          </a:solidFill>
+          <a:ln>
+            <a:solidFill>
+              <a:schemeClr val="bg1">
+                <a:lumMod val="50000"/>
+              </a:schemeClr>
+            </a:solidFill>
+          </a:ln>
+        </p:spPr>
+        <p:style>
+          <a:lnRef idx="2">
+            <a:schemeClr val="accent1">
+              <a:shade val="50000"/>
+            </a:schemeClr>
+          </a:lnRef>
+          <a:fillRef idx="1">
+            <a:schemeClr val="accent1"/>
+          </a:fillRef>
+          <a:effectRef idx="0">
+            <a:schemeClr val="accent1"/>
+          </a:effectRef>
+          <a:fontRef idx="minor">
+            <a:schemeClr val="lt1"/>
+          </a:fontRef>
+        </p:style>
+        <p:txBody>
+          <a:bodyPr lIns="0" rIns="0" rtlCol="0" anchor="ctr"/>
+          <a:lstStyle/>
+          <a:p>
+            <a:pPr algn="ctr"/>
+            <a:r>
+              <a:rPr lang="en-US" sz="1000" dirty="0">
+                <a:solidFill>
+                  <a:schemeClr val="bg1">
+                    <a:lumMod val="50000"/>
+                  </a:schemeClr>
+                </a:solidFill>
+              </a:rPr>
+              <a:t>21</a:t>
+            </a:r>
+          </a:p>
+        </p:txBody>
+      </p:sp>
+      <p:sp>
+        <p:nvSpPr>
+          <p:cNvPr id="29" name="Ellipse 24"/>
+          <p:cNvSpPr/>
+          <p:nvPr/>
+        </p:nvSpPr>
+        <p:spPr>
+          <a:xfrm>
+            <a:off x="1374407" y="5962852"/>
+            <a:ext cx="320040" cy="304802"/>
+          </a:xfrm>
+          <a:prstGeom prst="ellipse">
+            <a:avLst/>
+          </a:prstGeom>
+          <a:solidFill>
+            <a:schemeClr val="bg1"/>
+          </a:solidFill>
+          <a:ln>
+            <a:solidFill>
+              <a:schemeClr val="bg1">
+                <a:lumMod val="50000"/>
+              </a:schemeClr>
+            </a:solidFill>
+          </a:ln>
+        </p:spPr>
+        <p:style>
+          <a:lnRef idx="2">
+            <a:schemeClr val="accent1">
+              <a:shade val="50000"/>
+            </a:schemeClr>
+          </a:lnRef>
+          <a:fillRef idx="1">
+            <a:schemeClr val="accent1"/>
+          </a:fillRef>
+          <a:effectRef idx="0">
+            <a:schemeClr val="accent1"/>
+          </a:effectRef>
+          <a:fontRef idx="minor">
+            <a:schemeClr val="lt1"/>
+          </a:fontRef>
+        </p:style>
+        <p:txBody>
+          <a:bodyPr lIns="0" rIns="0" rtlCol="0" anchor="ctr"/>
+          <a:lstStyle/>
+          <a:p>
+            <a:pPr algn="ctr"/>
+            <a:r>
+              <a:rPr lang="en-US" sz="1000">
+                <a:solidFill>
+                  <a:schemeClr val="bg1">
+                    <a:lumMod val="50000"/>
+                  </a:schemeClr>
+                </a:solidFill>
+              </a:rPr>
+              <a:t>22</a:t>
+            </a:r>
+            <a:endParaRPr lang="en-US" sz="1000" dirty="0">
+              <a:solidFill>
+                <a:schemeClr val="bg1">
+                  <a:lumMod val="50000"/>
+                </a:schemeClr>
+              </a:solidFill>
+            </a:endParaRPr>
+          </a:p>
+        </p:txBody>
+      </p:sp>
+      <p:sp>
+        <p:nvSpPr>
+          <p:cNvPr id="30" name="Ellipse 24"/>
+          <p:cNvSpPr/>
+          <p:nvPr/>
+        </p:nvSpPr>
+        <p:spPr>
+          <a:xfrm>
+            <a:off x="5970471" y="5962852"/>
+            <a:ext cx="320040" cy="304802"/>
+          </a:xfrm>
+          <a:prstGeom prst="ellipse">
+            <a:avLst/>
+          </a:prstGeom>
+          <a:solidFill>
+            <a:schemeClr val="bg1"/>
+          </a:solidFill>
+          <a:ln>
+            <a:solidFill>
+              <a:schemeClr val="bg1">
+                <a:lumMod val="50000"/>
+              </a:schemeClr>
+            </a:solidFill>
+          </a:ln>
+        </p:spPr>
+        <p:style>
+          <a:lnRef idx="2">
+            <a:schemeClr val="accent1">
+              <a:shade val="50000"/>
+            </a:schemeClr>
+          </a:lnRef>
+          <a:fillRef idx="1">
+            <a:schemeClr val="accent1"/>
+          </a:fillRef>
+          <a:effectRef idx="0">
+            <a:schemeClr val="accent1"/>
+          </a:effectRef>
+          <a:fontRef idx="minor">
+            <a:schemeClr val="lt1"/>
+          </a:fontRef>
+        </p:style>
+        <p:txBody>
+          <a:bodyPr lIns="0" rIns="0" rtlCol="0" anchor="ctr"/>
+          <a:lstStyle/>
+          <a:p>
+            <a:pPr algn="ctr"/>
+            <a:r>
+              <a:rPr lang="en-US" sz="1000" dirty="0">
+                <a:solidFill>
+                  <a:schemeClr val="bg1">
+                    <a:lumMod val="50000"/>
+                  </a:schemeClr>
+                </a:solidFill>
+              </a:rPr>
+              <a:t>23</a:t>
+            </a:r>
+          </a:p>
+        </p:txBody>
+      </p:sp>
+    </p:spTree>
+    <p:extLst>
+      <p:ext uri="{BB962C8B-B14F-4D97-AF65-F5344CB8AC3E}">
+        <p14:creationId xmlns:p14="http://schemas.microsoft.com/office/powerpoint/2010/main" val="3512608263"/>
       </p:ext>
     </p:extLst>
   </p:cSld>

--- a/knex/documenting.pptx
+++ b/knex/documenting.pptx
@@ -4165,1393 +4165,1467 @@
           <a:chExt cx="0" cy="0"/>
         </a:xfrm>
       </p:grpSpPr>
-      <p:pic>
-        <p:nvPicPr>
-          <p:cNvPr id="2" name="Picture 1"/>
-          <p:cNvPicPr>
-            <a:picLocks noChangeAspect="1"/>
-          </p:cNvPicPr>
+      <p:grpSp>
+        <p:nvGrpSpPr>
+          <p:cNvPr id="4" name="Group 3"/>
+          <p:cNvGrpSpPr/>
           <p:nvPr/>
-        </p:nvPicPr>
-        <p:blipFill rotWithShape="1">
-          <a:blip r:embed="rId2"/>
-          <a:srcRect l="11905" t="19828" r="28452" b="28857"/>
-          <a:stretch/>
-        </p:blipFill>
-        <p:spPr>
+        </p:nvGrpSpPr>
+        <p:grpSpPr>
           <a:xfrm>
-            <a:off x="0" y="411479"/>
-            <a:ext cx="11740526" cy="6313171"/>
+            <a:off x="0" y="121560"/>
+            <a:ext cx="11750722" cy="6655260"/>
+            <a:chOff x="0" y="121560"/>
+            <a:chExt cx="11750722" cy="6655260"/>
           </a:xfrm>
-          <a:prstGeom prst="rect">
-            <a:avLst/>
-          </a:prstGeom>
-        </p:spPr>
-      </p:pic>
-      <p:sp>
-        <p:nvSpPr>
-          <p:cNvPr id="7" name="Ellipse 6"/>
-          <p:cNvSpPr/>
-          <p:nvPr/>
-        </p:nvSpPr>
-        <p:spPr>
-          <a:xfrm>
-            <a:off x="167640" y="152400"/>
-            <a:ext cx="320040" cy="304800"/>
-          </a:xfrm>
-          <a:prstGeom prst="ellipse">
-            <a:avLst/>
-          </a:prstGeom>
-          <a:solidFill>
-            <a:schemeClr val="bg1"/>
-          </a:solidFill>
-          <a:ln>
+        </p:grpSpPr>
+        <p:pic>
+          <p:nvPicPr>
+            <p:cNvPr id="3" name="Picture 2"/>
+            <p:cNvPicPr>
+              <a:picLocks noChangeAspect="1"/>
+            </p:cNvPicPr>
+            <p:nvPr/>
+          </p:nvPicPr>
+          <p:blipFill rotWithShape="1">
+            <a:blip r:embed="rId2"/>
+            <a:srcRect l="11906" t="19828" r="28761" b="28746"/>
+            <a:stretch/>
+          </p:blipFill>
+          <p:spPr>
+            <a:xfrm>
+              <a:off x="0" y="411480"/>
+              <a:ext cx="11750722" cy="6365340"/>
+            </a:xfrm>
+            <a:prstGeom prst="rect">
+              <a:avLst/>
+            </a:prstGeom>
+          </p:spPr>
+        </p:pic>
+        <p:sp>
+          <p:nvSpPr>
+            <p:cNvPr id="7" name="Ellipse 6"/>
+            <p:cNvSpPr/>
+            <p:nvPr/>
+          </p:nvSpPr>
+          <p:spPr>
+            <a:xfrm>
+              <a:off x="632460" y="121560"/>
+              <a:ext cx="320040" cy="304800"/>
+            </a:xfrm>
+            <a:prstGeom prst="ellipse">
+              <a:avLst/>
+            </a:prstGeom>
             <a:solidFill>
-              <a:schemeClr val="bg1">
-                <a:lumMod val="50000"/>
+              <a:schemeClr val="bg1"/>
+            </a:solidFill>
+            <a:ln>
+              <a:solidFill>
+                <a:schemeClr val="bg1">
+                  <a:lumMod val="50000"/>
+                </a:schemeClr>
+              </a:solidFill>
+            </a:ln>
+          </p:spPr>
+          <p:style>
+            <a:lnRef idx="2">
+              <a:schemeClr val="accent1">
+                <a:shade val="50000"/>
               </a:schemeClr>
+            </a:lnRef>
+            <a:fillRef idx="1">
+              <a:schemeClr val="accent1"/>
+            </a:fillRef>
+            <a:effectRef idx="0">
+              <a:schemeClr val="accent1"/>
+            </a:effectRef>
+            <a:fontRef idx="minor">
+              <a:schemeClr val="lt1"/>
+            </a:fontRef>
+          </p:style>
+          <p:txBody>
+            <a:bodyPr lIns="0" rIns="0" rtlCol="0" anchor="ctr"/>
+            <a:lstStyle/>
+            <a:p>
+              <a:pPr algn="ctr"/>
+              <a:r>
+                <a:rPr lang="en-US" sz="1000" dirty="0">
+                  <a:solidFill>
+                    <a:schemeClr val="bg1">
+                      <a:lumMod val="50000"/>
+                    </a:schemeClr>
+                  </a:solidFill>
+                </a:rPr>
+                <a:t>1</a:t>
+              </a:r>
+            </a:p>
+          </p:txBody>
+        </p:sp>
+        <p:sp>
+          <p:nvSpPr>
+            <p:cNvPr id="8" name="Ellipse 7"/>
+            <p:cNvSpPr/>
+            <p:nvPr/>
+          </p:nvSpPr>
+          <p:spPr>
+            <a:xfrm>
+              <a:off x="2994660" y="121560"/>
+              <a:ext cx="320040" cy="304800"/>
+            </a:xfrm>
+            <a:prstGeom prst="ellipse">
+              <a:avLst/>
+            </a:prstGeom>
+            <a:solidFill>
+              <a:schemeClr val="bg1"/>
             </a:solidFill>
-          </a:ln>
-        </p:spPr>
-        <p:style>
-          <a:lnRef idx="2">
-            <a:schemeClr val="accent1">
-              <a:shade val="50000"/>
-            </a:schemeClr>
-          </a:lnRef>
-          <a:fillRef idx="1">
-            <a:schemeClr val="accent1"/>
-          </a:fillRef>
-          <a:effectRef idx="0">
-            <a:schemeClr val="accent1"/>
-          </a:effectRef>
-          <a:fontRef idx="minor">
-            <a:schemeClr val="lt1"/>
-          </a:fontRef>
-        </p:style>
-        <p:txBody>
-          <a:bodyPr lIns="0" rIns="0" rtlCol="0" anchor="ctr"/>
-          <a:lstStyle/>
-          <a:p>
-            <a:pPr algn="ctr"/>
-            <a:r>
-              <a:rPr lang="en-US" sz="1000" dirty="0">
+            <a:ln>
+              <a:solidFill>
+                <a:schemeClr val="bg1">
+                  <a:lumMod val="50000"/>
+                </a:schemeClr>
+              </a:solidFill>
+            </a:ln>
+          </p:spPr>
+          <p:style>
+            <a:lnRef idx="2">
+              <a:schemeClr val="accent1">
+                <a:shade val="50000"/>
+              </a:schemeClr>
+            </a:lnRef>
+            <a:fillRef idx="1">
+              <a:schemeClr val="accent1"/>
+            </a:fillRef>
+            <a:effectRef idx="0">
+              <a:schemeClr val="accent1"/>
+            </a:effectRef>
+            <a:fontRef idx="minor">
+              <a:schemeClr val="lt1"/>
+            </a:fontRef>
+          </p:style>
+          <p:txBody>
+            <a:bodyPr lIns="0" rIns="0" rtlCol="0" anchor="ctr"/>
+            <a:lstStyle/>
+            <a:p>
+              <a:pPr algn="ctr"/>
+              <a:r>
+                <a:rPr lang="en-US" sz="1000" dirty="0">
+                  <a:solidFill>
+                    <a:schemeClr val="bg1">
+                      <a:lumMod val="50000"/>
+                    </a:schemeClr>
+                  </a:solidFill>
+                </a:rPr>
+                <a:t>2</a:t>
+              </a:r>
+            </a:p>
+          </p:txBody>
+        </p:sp>
+        <p:sp>
+          <p:nvSpPr>
+            <p:cNvPr id="9" name="Ellipse 8"/>
+            <p:cNvSpPr/>
+            <p:nvPr/>
+          </p:nvSpPr>
+          <p:spPr>
+            <a:xfrm>
+              <a:off x="5158740" y="121560"/>
+              <a:ext cx="320040" cy="304800"/>
+            </a:xfrm>
+            <a:prstGeom prst="ellipse">
+              <a:avLst/>
+            </a:prstGeom>
+            <a:solidFill>
+              <a:schemeClr val="bg1"/>
+            </a:solidFill>
+            <a:ln>
+              <a:solidFill>
+                <a:schemeClr val="bg1">
+                  <a:lumMod val="50000"/>
+                </a:schemeClr>
+              </a:solidFill>
+            </a:ln>
+          </p:spPr>
+          <p:style>
+            <a:lnRef idx="2">
+              <a:schemeClr val="accent1">
+                <a:shade val="50000"/>
+              </a:schemeClr>
+            </a:lnRef>
+            <a:fillRef idx="1">
+              <a:schemeClr val="accent1"/>
+            </a:fillRef>
+            <a:effectRef idx="0">
+              <a:schemeClr val="accent1"/>
+            </a:effectRef>
+            <a:fontRef idx="minor">
+              <a:schemeClr val="lt1"/>
+            </a:fontRef>
+          </p:style>
+          <p:txBody>
+            <a:bodyPr lIns="0" rIns="0" rtlCol="0" anchor="ctr"/>
+            <a:lstStyle/>
+            <a:p>
+              <a:pPr algn="ctr"/>
+              <a:r>
+                <a:rPr lang="en-US" sz="1000" dirty="0">
+                  <a:solidFill>
+                    <a:schemeClr val="bg1">
+                      <a:lumMod val="50000"/>
+                    </a:schemeClr>
+                  </a:solidFill>
+                </a:rPr>
+                <a:t>3</a:t>
+              </a:r>
+            </a:p>
+          </p:txBody>
+        </p:sp>
+        <p:sp>
+          <p:nvSpPr>
+            <p:cNvPr id="10" name="Ellipse 9"/>
+            <p:cNvSpPr/>
+            <p:nvPr/>
+          </p:nvSpPr>
+          <p:spPr>
+            <a:xfrm>
+              <a:off x="7871460" y="121560"/>
+              <a:ext cx="320040" cy="304800"/>
+            </a:xfrm>
+            <a:prstGeom prst="ellipse">
+              <a:avLst/>
+            </a:prstGeom>
+            <a:solidFill>
+              <a:schemeClr val="bg1"/>
+            </a:solidFill>
+            <a:ln>
+              <a:solidFill>
+                <a:schemeClr val="bg1">
+                  <a:lumMod val="50000"/>
+                </a:schemeClr>
+              </a:solidFill>
+            </a:ln>
+          </p:spPr>
+          <p:style>
+            <a:lnRef idx="2">
+              <a:schemeClr val="accent1">
+                <a:shade val="50000"/>
+              </a:schemeClr>
+            </a:lnRef>
+            <a:fillRef idx="1">
+              <a:schemeClr val="accent1"/>
+            </a:fillRef>
+            <a:effectRef idx="0">
+              <a:schemeClr val="accent1"/>
+            </a:effectRef>
+            <a:fontRef idx="minor">
+              <a:schemeClr val="lt1"/>
+            </a:fontRef>
+          </p:style>
+          <p:txBody>
+            <a:bodyPr lIns="0" rIns="0" rtlCol="0" anchor="ctr"/>
+            <a:lstStyle/>
+            <a:p>
+              <a:pPr algn="ctr"/>
+              <a:r>
+                <a:rPr lang="en-US" sz="1000" dirty="0">
+                  <a:solidFill>
+                    <a:schemeClr val="bg1">
+                      <a:lumMod val="50000"/>
+                    </a:schemeClr>
+                  </a:solidFill>
+                </a:rPr>
+                <a:t>4</a:t>
+              </a:r>
+            </a:p>
+          </p:txBody>
+        </p:sp>
+        <p:sp>
+          <p:nvSpPr>
+            <p:cNvPr id="11" name="Ellipse 10"/>
+            <p:cNvSpPr/>
+            <p:nvPr/>
+          </p:nvSpPr>
+          <p:spPr>
+            <a:xfrm>
+              <a:off x="9639300" y="121560"/>
+              <a:ext cx="320040" cy="304800"/>
+            </a:xfrm>
+            <a:prstGeom prst="ellipse">
+              <a:avLst/>
+            </a:prstGeom>
+            <a:solidFill>
+              <a:schemeClr val="bg1"/>
+            </a:solidFill>
+            <a:ln>
+              <a:solidFill>
+                <a:schemeClr val="bg1">
+                  <a:lumMod val="50000"/>
+                </a:schemeClr>
+              </a:solidFill>
+            </a:ln>
+          </p:spPr>
+          <p:style>
+            <a:lnRef idx="2">
+              <a:schemeClr val="accent1">
+                <a:shade val="50000"/>
+              </a:schemeClr>
+            </a:lnRef>
+            <a:fillRef idx="1">
+              <a:schemeClr val="accent1"/>
+            </a:fillRef>
+            <a:effectRef idx="0">
+              <a:schemeClr val="accent1"/>
+            </a:effectRef>
+            <a:fontRef idx="minor">
+              <a:schemeClr val="lt1"/>
+            </a:fontRef>
+          </p:style>
+          <p:txBody>
+            <a:bodyPr lIns="0" rIns="0" rtlCol="0" anchor="ctr"/>
+            <a:lstStyle/>
+            <a:p>
+              <a:pPr algn="ctr"/>
+              <a:r>
+                <a:rPr lang="en-US" sz="1000" dirty="0">
+                  <a:solidFill>
+                    <a:schemeClr val="bg1">
+                      <a:lumMod val="50000"/>
+                    </a:schemeClr>
+                  </a:solidFill>
+                </a:rPr>
+                <a:t>5</a:t>
+              </a:r>
+            </a:p>
+          </p:txBody>
+        </p:sp>
+        <p:sp>
+          <p:nvSpPr>
+            <p:cNvPr id="12" name="Ellipse 11"/>
+            <p:cNvSpPr/>
+            <p:nvPr/>
+          </p:nvSpPr>
+          <p:spPr>
+            <a:xfrm>
+              <a:off x="1203960" y="960120"/>
+              <a:ext cx="320040" cy="304800"/>
+            </a:xfrm>
+            <a:prstGeom prst="ellipse">
+              <a:avLst/>
+            </a:prstGeom>
+            <a:solidFill>
+              <a:schemeClr val="bg1"/>
+            </a:solidFill>
+            <a:ln>
+              <a:solidFill>
+                <a:schemeClr val="bg1">
+                  <a:lumMod val="50000"/>
+                </a:schemeClr>
+              </a:solidFill>
+            </a:ln>
+          </p:spPr>
+          <p:style>
+            <a:lnRef idx="2">
+              <a:schemeClr val="accent1">
+                <a:shade val="50000"/>
+              </a:schemeClr>
+            </a:lnRef>
+            <a:fillRef idx="1">
+              <a:schemeClr val="accent1"/>
+            </a:fillRef>
+            <a:effectRef idx="0">
+              <a:schemeClr val="accent1"/>
+            </a:effectRef>
+            <a:fontRef idx="minor">
+              <a:schemeClr val="lt1"/>
+            </a:fontRef>
+          </p:style>
+          <p:txBody>
+            <a:bodyPr lIns="0" rIns="0" rtlCol="0" anchor="ctr"/>
+            <a:lstStyle/>
+            <a:p>
+              <a:pPr algn="ctr"/>
+              <a:r>
+                <a:rPr lang="en-US" sz="1000" dirty="0">
+                  <a:solidFill>
+                    <a:schemeClr val="bg1">
+                      <a:lumMod val="50000"/>
+                    </a:schemeClr>
+                  </a:solidFill>
+                </a:rPr>
+                <a:t>6</a:t>
+              </a:r>
+            </a:p>
+          </p:txBody>
+        </p:sp>
+        <p:sp>
+          <p:nvSpPr>
+            <p:cNvPr id="13" name="Ellipse 12"/>
+            <p:cNvSpPr/>
+            <p:nvPr/>
+          </p:nvSpPr>
+          <p:spPr>
+            <a:xfrm>
+              <a:off x="4107180" y="1017270"/>
+              <a:ext cx="320040" cy="304800"/>
+            </a:xfrm>
+            <a:prstGeom prst="ellipse">
+              <a:avLst/>
+            </a:prstGeom>
+            <a:solidFill>
+              <a:schemeClr val="bg1"/>
+            </a:solidFill>
+            <a:ln>
+              <a:solidFill>
+                <a:schemeClr val="bg1">
+                  <a:lumMod val="50000"/>
+                </a:schemeClr>
+              </a:solidFill>
+            </a:ln>
+          </p:spPr>
+          <p:style>
+            <a:lnRef idx="2">
+              <a:schemeClr val="accent1">
+                <a:shade val="50000"/>
+              </a:schemeClr>
+            </a:lnRef>
+            <a:fillRef idx="1">
+              <a:schemeClr val="accent1"/>
+            </a:fillRef>
+            <a:effectRef idx="0">
+              <a:schemeClr val="accent1"/>
+            </a:effectRef>
+            <a:fontRef idx="minor">
+              <a:schemeClr val="lt1"/>
+            </a:fontRef>
+          </p:style>
+          <p:txBody>
+            <a:bodyPr lIns="0" rIns="0" rtlCol="0" anchor="ctr"/>
+            <a:lstStyle/>
+            <a:p>
+              <a:pPr algn="ctr"/>
+              <a:r>
+                <a:rPr lang="en-US" sz="1000" dirty="0">
+                  <a:solidFill>
+                    <a:schemeClr val="bg1">
+                      <a:lumMod val="50000"/>
+                    </a:schemeClr>
+                  </a:solidFill>
+                </a:rPr>
+                <a:t>7</a:t>
+              </a:r>
+            </a:p>
+          </p:txBody>
+        </p:sp>
+        <p:sp>
+          <p:nvSpPr>
+            <p:cNvPr id="14" name="Ellipse 13"/>
+            <p:cNvSpPr/>
+            <p:nvPr/>
+          </p:nvSpPr>
+          <p:spPr>
+            <a:xfrm>
+              <a:off x="9319260" y="1017270"/>
+              <a:ext cx="320040" cy="304800"/>
+            </a:xfrm>
+            <a:prstGeom prst="ellipse">
+              <a:avLst/>
+            </a:prstGeom>
+            <a:solidFill>
+              <a:schemeClr val="bg1"/>
+            </a:solidFill>
+            <a:ln>
+              <a:solidFill>
+                <a:schemeClr val="bg1">
+                  <a:lumMod val="50000"/>
+                </a:schemeClr>
+              </a:solidFill>
+            </a:ln>
+          </p:spPr>
+          <p:style>
+            <a:lnRef idx="2">
+              <a:schemeClr val="accent1">
+                <a:shade val="50000"/>
+              </a:schemeClr>
+            </a:lnRef>
+            <a:fillRef idx="1">
+              <a:schemeClr val="accent1"/>
+            </a:fillRef>
+            <a:effectRef idx="0">
+              <a:schemeClr val="accent1"/>
+            </a:effectRef>
+            <a:fontRef idx="minor">
+              <a:schemeClr val="lt1"/>
+            </a:fontRef>
+          </p:style>
+          <p:txBody>
+            <a:bodyPr lIns="0" rIns="0" rtlCol="0" anchor="ctr"/>
+            <a:lstStyle/>
+            <a:p>
+              <a:pPr algn="ctr"/>
+              <a:r>
+                <a:rPr lang="en-US" sz="1000" dirty="0">
+                  <a:solidFill>
+                    <a:schemeClr val="bg1">
+                      <a:lumMod val="50000"/>
+                    </a:schemeClr>
+                  </a:solidFill>
+                </a:rPr>
+                <a:t>8</a:t>
+              </a:r>
+            </a:p>
+          </p:txBody>
+        </p:sp>
+        <p:sp>
+          <p:nvSpPr>
+            <p:cNvPr id="15" name="Ellipse 14"/>
+            <p:cNvSpPr/>
+            <p:nvPr/>
+          </p:nvSpPr>
+          <p:spPr>
+            <a:xfrm>
+              <a:off x="8103870" y="1516383"/>
+              <a:ext cx="320040" cy="304800"/>
+            </a:xfrm>
+            <a:prstGeom prst="ellipse">
+              <a:avLst/>
+            </a:prstGeom>
+            <a:solidFill>
+              <a:schemeClr val="bg1"/>
+            </a:solidFill>
+            <a:ln>
+              <a:solidFill>
+                <a:schemeClr val="bg1">
+                  <a:lumMod val="50000"/>
+                </a:schemeClr>
+              </a:solidFill>
+            </a:ln>
+          </p:spPr>
+          <p:style>
+            <a:lnRef idx="2">
+              <a:schemeClr val="accent1">
+                <a:shade val="50000"/>
+              </a:schemeClr>
+            </a:lnRef>
+            <a:fillRef idx="1">
+              <a:schemeClr val="accent1"/>
+            </a:fillRef>
+            <a:effectRef idx="0">
+              <a:schemeClr val="accent1"/>
+            </a:effectRef>
+            <a:fontRef idx="minor">
+              <a:schemeClr val="lt1"/>
+            </a:fontRef>
+          </p:style>
+          <p:txBody>
+            <a:bodyPr lIns="0" rIns="0" rtlCol="0" anchor="ctr"/>
+            <a:lstStyle/>
+            <a:p>
+              <a:pPr algn="ctr"/>
+              <a:r>
+                <a:rPr lang="en-US" sz="1000" dirty="0">
+                  <a:solidFill>
+                    <a:schemeClr val="bg1">
+                      <a:lumMod val="50000"/>
+                    </a:schemeClr>
+                  </a:solidFill>
+                </a:rPr>
+                <a:t>11</a:t>
+              </a:r>
+            </a:p>
+          </p:txBody>
+        </p:sp>
+        <p:sp>
+          <p:nvSpPr>
+            <p:cNvPr id="16" name="Ellipse 15"/>
+            <p:cNvSpPr/>
+            <p:nvPr/>
+          </p:nvSpPr>
+          <p:spPr>
+            <a:xfrm>
+              <a:off x="4023360" y="2316480"/>
+              <a:ext cx="320040" cy="304800"/>
+            </a:xfrm>
+            <a:prstGeom prst="ellipse">
+              <a:avLst/>
+            </a:prstGeom>
+            <a:solidFill>
+              <a:schemeClr val="bg1"/>
+            </a:solidFill>
+            <a:ln>
+              <a:solidFill>
+                <a:schemeClr val="bg1">
+                  <a:lumMod val="50000"/>
+                </a:schemeClr>
+              </a:solidFill>
+            </a:ln>
+          </p:spPr>
+          <p:style>
+            <a:lnRef idx="2">
+              <a:schemeClr val="accent1">
+                <a:shade val="50000"/>
+              </a:schemeClr>
+            </a:lnRef>
+            <a:fillRef idx="1">
+              <a:schemeClr val="accent1"/>
+            </a:fillRef>
+            <a:effectRef idx="0">
+              <a:schemeClr val="accent1"/>
+            </a:effectRef>
+            <a:fontRef idx="minor">
+              <a:schemeClr val="lt1"/>
+            </a:fontRef>
+          </p:style>
+          <p:txBody>
+            <a:bodyPr lIns="0" rIns="0" rtlCol="0" anchor="ctr"/>
+            <a:lstStyle/>
+            <a:p>
+              <a:pPr algn="ctr"/>
+              <a:r>
+                <a:rPr lang="en-US" sz="1000" dirty="0">
+                  <a:solidFill>
+                    <a:schemeClr val="bg1">
+                      <a:lumMod val="50000"/>
+                    </a:schemeClr>
+                  </a:solidFill>
+                </a:rPr>
+                <a:t>10</a:t>
+              </a:r>
+            </a:p>
+          </p:txBody>
+        </p:sp>
+        <p:sp>
+          <p:nvSpPr>
+            <p:cNvPr id="17" name="Ellipse 16"/>
+            <p:cNvSpPr/>
+            <p:nvPr/>
+          </p:nvSpPr>
+          <p:spPr>
+            <a:xfrm>
+              <a:off x="1203960" y="1798322"/>
+              <a:ext cx="320040" cy="304800"/>
+            </a:xfrm>
+            <a:prstGeom prst="ellipse">
+              <a:avLst/>
+            </a:prstGeom>
+            <a:solidFill>
+              <a:schemeClr val="bg1"/>
+            </a:solidFill>
+            <a:ln>
+              <a:solidFill>
+                <a:schemeClr val="bg1">
+                  <a:lumMod val="50000"/>
+                </a:schemeClr>
+              </a:solidFill>
+            </a:ln>
+          </p:spPr>
+          <p:style>
+            <a:lnRef idx="2">
+              <a:schemeClr val="accent1">
+                <a:shade val="50000"/>
+              </a:schemeClr>
+            </a:lnRef>
+            <a:fillRef idx="1">
+              <a:schemeClr val="accent1"/>
+            </a:fillRef>
+            <a:effectRef idx="0">
+              <a:schemeClr val="accent1"/>
+            </a:effectRef>
+            <a:fontRef idx="minor">
+              <a:schemeClr val="lt1"/>
+            </a:fontRef>
+          </p:style>
+          <p:txBody>
+            <a:bodyPr lIns="0" rIns="0" rtlCol="0" anchor="ctr"/>
+            <a:lstStyle/>
+            <a:p>
+              <a:pPr algn="ctr"/>
+              <a:r>
+                <a:rPr lang="en-US" sz="1000" dirty="0">
+                  <a:solidFill>
+                    <a:schemeClr val="bg1">
+                      <a:lumMod val="50000"/>
+                    </a:schemeClr>
+                  </a:solidFill>
+                </a:rPr>
+                <a:t>9</a:t>
+              </a:r>
+            </a:p>
+          </p:txBody>
+        </p:sp>
+        <p:sp>
+          <p:nvSpPr>
+            <p:cNvPr id="18" name="Ellipse 17"/>
+            <p:cNvSpPr/>
+            <p:nvPr/>
+          </p:nvSpPr>
+          <p:spPr>
+            <a:xfrm>
+              <a:off x="792480" y="2918460"/>
+              <a:ext cx="320040" cy="304800"/>
+            </a:xfrm>
+            <a:prstGeom prst="ellipse">
+              <a:avLst/>
+            </a:prstGeom>
+            <a:solidFill>
+              <a:schemeClr val="bg1"/>
+            </a:solidFill>
+            <a:ln>
+              <a:solidFill>
+                <a:schemeClr val="bg1">
+                  <a:lumMod val="50000"/>
+                </a:schemeClr>
+              </a:solidFill>
+            </a:ln>
+          </p:spPr>
+          <p:style>
+            <a:lnRef idx="2">
+              <a:schemeClr val="accent1">
+                <a:shade val="50000"/>
+              </a:schemeClr>
+            </a:lnRef>
+            <a:fillRef idx="1">
+              <a:schemeClr val="accent1"/>
+            </a:fillRef>
+            <a:effectRef idx="0">
+              <a:schemeClr val="accent1"/>
+            </a:effectRef>
+            <a:fontRef idx="minor">
+              <a:schemeClr val="lt1"/>
+            </a:fontRef>
+          </p:style>
+          <p:txBody>
+            <a:bodyPr lIns="0" rIns="0" rtlCol="0" anchor="ctr"/>
+            <a:lstStyle/>
+            <a:p>
+              <a:pPr algn="ctr"/>
+              <a:r>
+                <a:rPr lang="en-US" sz="1000" dirty="0">
+                  <a:solidFill>
+                    <a:schemeClr val="bg1">
+                      <a:lumMod val="50000"/>
+                    </a:schemeClr>
+                  </a:solidFill>
+                </a:rPr>
+                <a:t>12</a:t>
+              </a:r>
+            </a:p>
+          </p:txBody>
+        </p:sp>
+        <p:sp>
+          <p:nvSpPr>
+            <p:cNvPr id="19" name="Ellipse 18"/>
+            <p:cNvSpPr/>
+            <p:nvPr/>
+          </p:nvSpPr>
+          <p:spPr>
+            <a:xfrm>
+              <a:off x="2453640" y="2945130"/>
+              <a:ext cx="320040" cy="304800"/>
+            </a:xfrm>
+            <a:prstGeom prst="ellipse">
+              <a:avLst/>
+            </a:prstGeom>
+            <a:solidFill>
+              <a:schemeClr val="bg1"/>
+            </a:solidFill>
+            <a:ln>
+              <a:solidFill>
+                <a:schemeClr val="bg1">
+                  <a:lumMod val="50000"/>
+                </a:schemeClr>
+              </a:solidFill>
+            </a:ln>
+          </p:spPr>
+          <p:style>
+            <a:lnRef idx="2">
+              <a:schemeClr val="accent1">
+                <a:shade val="50000"/>
+              </a:schemeClr>
+            </a:lnRef>
+            <a:fillRef idx="1">
+              <a:schemeClr val="accent1"/>
+            </a:fillRef>
+            <a:effectRef idx="0">
+              <a:schemeClr val="accent1"/>
+            </a:effectRef>
+            <a:fontRef idx="minor">
+              <a:schemeClr val="lt1"/>
+            </a:fontRef>
+          </p:style>
+          <p:txBody>
+            <a:bodyPr lIns="0" rIns="0" rtlCol="0" anchor="ctr"/>
+            <a:lstStyle/>
+            <a:p>
+              <a:pPr algn="ctr"/>
+              <a:r>
+                <a:rPr lang="en-US" sz="1000" dirty="0">
+                  <a:solidFill>
+                    <a:schemeClr val="bg1">
+                      <a:lumMod val="50000"/>
+                    </a:schemeClr>
+                  </a:solidFill>
+                </a:rPr>
+                <a:t>13</a:t>
+              </a:r>
+            </a:p>
+          </p:txBody>
+        </p:sp>
+        <p:sp>
+          <p:nvSpPr>
+            <p:cNvPr id="20" name="Ellipse 19"/>
+            <p:cNvSpPr/>
+            <p:nvPr/>
+          </p:nvSpPr>
+          <p:spPr>
+            <a:xfrm>
+              <a:off x="2689860" y="3733800"/>
+              <a:ext cx="320040" cy="304800"/>
+            </a:xfrm>
+            <a:prstGeom prst="ellipse">
+              <a:avLst/>
+            </a:prstGeom>
+            <a:solidFill>
+              <a:schemeClr val="bg1"/>
+            </a:solidFill>
+            <a:ln>
+              <a:solidFill>
+                <a:schemeClr val="bg1">
+                  <a:lumMod val="50000"/>
+                </a:schemeClr>
+              </a:solidFill>
+            </a:ln>
+          </p:spPr>
+          <p:style>
+            <a:lnRef idx="2">
+              <a:schemeClr val="accent1">
+                <a:shade val="50000"/>
+              </a:schemeClr>
+            </a:lnRef>
+            <a:fillRef idx="1">
+              <a:schemeClr val="accent1"/>
+            </a:fillRef>
+            <a:effectRef idx="0">
+              <a:schemeClr val="accent1"/>
+            </a:effectRef>
+            <a:fontRef idx="minor">
+              <a:schemeClr val="lt1"/>
+            </a:fontRef>
+          </p:style>
+          <p:txBody>
+            <a:bodyPr lIns="0" rIns="0" rtlCol="0" anchor="ctr"/>
+            <a:lstStyle/>
+            <a:p>
+              <a:pPr algn="ctr"/>
+              <a:r>
+                <a:rPr lang="en-US" sz="1000" dirty="0">
+                  <a:solidFill>
+                    <a:schemeClr val="bg1">
+                      <a:lumMod val="50000"/>
+                    </a:schemeClr>
+                  </a:solidFill>
+                </a:rPr>
+                <a:t>14</a:t>
+              </a:r>
+            </a:p>
+          </p:txBody>
+        </p:sp>
+        <p:sp>
+          <p:nvSpPr>
+            <p:cNvPr id="21" name="Ellipse 20"/>
+            <p:cNvSpPr/>
+            <p:nvPr/>
+          </p:nvSpPr>
+          <p:spPr>
+            <a:xfrm>
+              <a:off x="4853940" y="3733800"/>
+              <a:ext cx="320040" cy="304800"/>
+            </a:xfrm>
+            <a:prstGeom prst="ellipse">
+              <a:avLst/>
+            </a:prstGeom>
+            <a:solidFill>
+              <a:schemeClr val="bg1"/>
+            </a:solidFill>
+            <a:ln>
+              <a:solidFill>
+                <a:schemeClr val="bg1">
+                  <a:lumMod val="50000"/>
+                </a:schemeClr>
+              </a:solidFill>
+            </a:ln>
+          </p:spPr>
+          <p:style>
+            <a:lnRef idx="2">
+              <a:schemeClr val="accent1">
+                <a:shade val="50000"/>
+              </a:schemeClr>
+            </a:lnRef>
+            <a:fillRef idx="1">
+              <a:schemeClr val="accent1"/>
+            </a:fillRef>
+            <a:effectRef idx="0">
+              <a:schemeClr val="accent1"/>
+            </a:effectRef>
+            <a:fontRef idx="minor">
+              <a:schemeClr val="lt1"/>
+            </a:fontRef>
+          </p:style>
+          <p:txBody>
+            <a:bodyPr lIns="0" rIns="0" rtlCol="0" anchor="ctr"/>
+            <a:lstStyle/>
+            <a:p>
+              <a:pPr algn="ctr"/>
+              <a:r>
+                <a:rPr lang="en-US" sz="1000" dirty="0">
+                  <a:solidFill>
+                    <a:schemeClr val="bg1">
+                      <a:lumMod val="50000"/>
+                    </a:schemeClr>
+                  </a:solidFill>
+                </a:rPr>
+                <a:t>15</a:t>
+              </a:r>
+            </a:p>
+          </p:txBody>
+        </p:sp>
+        <p:sp>
+          <p:nvSpPr>
+            <p:cNvPr id="22" name="Ellipse 21"/>
+            <p:cNvSpPr/>
+            <p:nvPr/>
+          </p:nvSpPr>
+          <p:spPr>
+            <a:xfrm>
+              <a:off x="7246620" y="3733800"/>
+              <a:ext cx="320040" cy="304800"/>
+            </a:xfrm>
+            <a:prstGeom prst="ellipse">
+              <a:avLst/>
+            </a:prstGeom>
+            <a:solidFill>
+              <a:schemeClr val="bg1"/>
+            </a:solidFill>
+            <a:ln>
+              <a:solidFill>
+                <a:schemeClr val="bg1">
+                  <a:lumMod val="50000"/>
+                </a:schemeClr>
+              </a:solidFill>
+            </a:ln>
+          </p:spPr>
+          <p:style>
+            <a:lnRef idx="2">
+              <a:schemeClr val="accent1">
+                <a:shade val="50000"/>
+              </a:schemeClr>
+            </a:lnRef>
+            <a:fillRef idx="1">
+              <a:schemeClr val="accent1"/>
+            </a:fillRef>
+            <a:effectRef idx="0">
+              <a:schemeClr val="accent1"/>
+            </a:effectRef>
+            <a:fontRef idx="minor">
+              <a:schemeClr val="lt1"/>
+            </a:fontRef>
+          </p:style>
+          <p:txBody>
+            <a:bodyPr lIns="0" rIns="0" rtlCol="0" anchor="ctr"/>
+            <a:lstStyle/>
+            <a:p>
+              <a:pPr algn="ctr"/>
+              <a:r>
+                <a:rPr lang="en-US" sz="1000" dirty="0">
+                  <a:solidFill>
+                    <a:schemeClr val="bg1">
+                      <a:lumMod val="50000"/>
+                    </a:schemeClr>
+                  </a:solidFill>
+                </a:rPr>
+                <a:t>16</a:t>
+              </a:r>
+            </a:p>
+          </p:txBody>
+        </p:sp>
+        <p:sp>
+          <p:nvSpPr>
+            <p:cNvPr id="23" name="Ellipse 22"/>
+            <p:cNvSpPr/>
+            <p:nvPr/>
+          </p:nvSpPr>
+          <p:spPr>
+            <a:xfrm>
+              <a:off x="10173101" y="3733800"/>
+              <a:ext cx="320040" cy="304800"/>
+            </a:xfrm>
+            <a:prstGeom prst="ellipse">
+              <a:avLst/>
+            </a:prstGeom>
+            <a:solidFill>
+              <a:schemeClr val="bg1"/>
+            </a:solidFill>
+            <a:ln>
+              <a:solidFill>
+                <a:schemeClr val="bg1">
+                  <a:lumMod val="50000"/>
+                </a:schemeClr>
+              </a:solidFill>
+            </a:ln>
+          </p:spPr>
+          <p:style>
+            <a:lnRef idx="2">
+              <a:schemeClr val="accent1">
+                <a:shade val="50000"/>
+              </a:schemeClr>
+            </a:lnRef>
+            <a:fillRef idx="1">
+              <a:schemeClr val="accent1"/>
+            </a:fillRef>
+            <a:effectRef idx="0">
+              <a:schemeClr val="accent1"/>
+            </a:effectRef>
+            <a:fontRef idx="minor">
+              <a:schemeClr val="lt1"/>
+            </a:fontRef>
+          </p:style>
+          <p:txBody>
+            <a:bodyPr lIns="0" rIns="0" rtlCol="0" anchor="ctr"/>
+            <a:lstStyle/>
+            <a:p>
+              <a:pPr algn="ctr"/>
+              <a:r>
+                <a:rPr lang="en-US" sz="1000" dirty="0">
+                  <a:solidFill>
+                    <a:schemeClr val="bg1">
+                      <a:lumMod val="50000"/>
+                    </a:schemeClr>
+                  </a:solidFill>
+                </a:rPr>
+                <a:t>17</a:t>
+              </a:r>
+            </a:p>
+          </p:txBody>
+        </p:sp>
+        <p:sp>
+          <p:nvSpPr>
+            <p:cNvPr id="24" name="Ellipse 23"/>
+            <p:cNvSpPr/>
+            <p:nvPr/>
+          </p:nvSpPr>
+          <p:spPr>
+            <a:xfrm>
+              <a:off x="3947160" y="4520565"/>
+              <a:ext cx="320040" cy="304800"/>
+            </a:xfrm>
+            <a:prstGeom prst="ellipse">
+              <a:avLst/>
+            </a:prstGeom>
+            <a:solidFill>
+              <a:schemeClr val="bg1"/>
+            </a:solidFill>
+            <a:ln>
+              <a:solidFill>
+                <a:schemeClr val="bg1">
+                  <a:lumMod val="50000"/>
+                </a:schemeClr>
+              </a:solidFill>
+            </a:ln>
+          </p:spPr>
+          <p:style>
+            <a:lnRef idx="2">
+              <a:schemeClr val="accent1">
+                <a:shade val="50000"/>
+              </a:schemeClr>
+            </a:lnRef>
+            <a:fillRef idx="1">
+              <a:schemeClr val="accent1"/>
+            </a:fillRef>
+            <a:effectRef idx="0">
+              <a:schemeClr val="accent1"/>
+            </a:effectRef>
+            <a:fontRef idx="minor">
+              <a:schemeClr val="lt1"/>
+            </a:fontRef>
+          </p:style>
+          <p:txBody>
+            <a:bodyPr lIns="0" rIns="0" rtlCol="0" anchor="ctr"/>
+            <a:lstStyle/>
+            <a:p>
+              <a:pPr algn="ctr"/>
+              <a:r>
+                <a:rPr lang="en-US" sz="1000" dirty="0">
+                  <a:solidFill>
+                    <a:schemeClr val="bg1">
+                      <a:lumMod val="50000"/>
+                    </a:schemeClr>
+                  </a:solidFill>
+                </a:rPr>
+                <a:t>18</a:t>
+              </a:r>
+            </a:p>
+          </p:txBody>
+        </p:sp>
+        <p:sp>
+          <p:nvSpPr>
+            <p:cNvPr id="25" name="Ellipse 24"/>
+            <p:cNvSpPr/>
+            <p:nvPr/>
+          </p:nvSpPr>
+          <p:spPr>
+            <a:xfrm>
+              <a:off x="7246620" y="4520565"/>
+              <a:ext cx="320040" cy="304800"/>
+            </a:xfrm>
+            <a:prstGeom prst="ellipse">
+              <a:avLst/>
+            </a:prstGeom>
+            <a:solidFill>
+              <a:schemeClr val="bg1"/>
+            </a:solidFill>
+            <a:ln>
+              <a:solidFill>
+                <a:schemeClr val="bg1">
+                  <a:lumMod val="50000"/>
+                </a:schemeClr>
+              </a:solidFill>
+            </a:ln>
+          </p:spPr>
+          <p:style>
+            <a:lnRef idx="2">
+              <a:schemeClr val="accent1">
+                <a:shade val="50000"/>
+              </a:schemeClr>
+            </a:lnRef>
+            <a:fillRef idx="1">
+              <a:schemeClr val="accent1"/>
+            </a:fillRef>
+            <a:effectRef idx="0">
+              <a:schemeClr val="accent1"/>
+            </a:effectRef>
+            <a:fontRef idx="minor">
+              <a:schemeClr val="lt1"/>
+            </a:fontRef>
+          </p:style>
+          <p:txBody>
+            <a:bodyPr lIns="0" rIns="0" rtlCol="0" anchor="ctr"/>
+            <a:lstStyle/>
+            <a:p>
+              <a:pPr algn="ctr"/>
+              <a:r>
+                <a:rPr lang="en-US" sz="1000" dirty="0">
+                  <a:solidFill>
+                    <a:schemeClr val="bg1">
+                      <a:lumMod val="50000"/>
+                    </a:schemeClr>
+                  </a:solidFill>
+                </a:rPr>
+                <a:t>19</a:t>
+              </a:r>
+            </a:p>
+          </p:txBody>
+        </p:sp>
+        <p:sp>
+          <p:nvSpPr>
+            <p:cNvPr id="27" name="Ellipse 24"/>
+            <p:cNvSpPr/>
+            <p:nvPr/>
+          </p:nvSpPr>
+          <p:spPr>
+            <a:xfrm>
+              <a:off x="167640" y="5120643"/>
+              <a:ext cx="320040" cy="304800"/>
+            </a:xfrm>
+            <a:prstGeom prst="ellipse">
+              <a:avLst/>
+            </a:prstGeom>
+            <a:solidFill>
+              <a:schemeClr val="bg1"/>
+            </a:solidFill>
+            <a:ln>
+              <a:solidFill>
+                <a:schemeClr val="bg1">
+                  <a:lumMod val="50000"/>
+                </a:schemeClr>
+              </a:solidFill>
+            </a:ln>
+          </p:spPr>
+          <p:style>
+            <a:lnRef idx="2">
+              <a:schemeClr val="accent1">
+                <a:shade val="50000"/>
+              </a:schemeClr>
+            </a:lnRef>
+            <a:fillRef idx="1">
+              <a:schemeClr val="accent1"/>
+            </a:fillRef>
+            <a:effectRef idx="0">
+              <a:schemeClr val="accent1"/>
+            </a:effectRef>
+            <a:fontRef idx="minor">
+              <a:schemeClr val="lt1"/>
+            </a:fontRef>
+          </p:style>
+          <p:txBody>
+            <a:bodyPr lIns="0" rIns="0" rtlCol="0" anchor="ctr"/>
+            <a:lstStyle/>
+            <a:p>
+              <a:pPr algn="ctr"/>
+              <a:r>
+                <a:rPr lang="en-US" sz="1000" dirty="0">
+                  <a:solidFill>
+                    <a:schemeClr val="bg1">
+                      <a:lumMod val="50000"/>
+                    </a:schemeClr>
+                  </a:solidFill>
+                </a:rPr>
+                <a:t>20</a:t>
+              </a:r>
+            </a:p>
+          </p:txBody>
+        </p:sp>
+        <p:sp>
+          <p:nvSpPr>
+            <p:cNvPr id="28" name="Ellipse 24"/>
+            <p:cNvSpPr/>
+            <p:nvPr/>
+          </p:nvSpPr>
+          <p:spPr>
+            <a:xfrm>
+              <a:off x="2773680" y="5120643"/>
+              <a:ext cx="320040" cy="304800"/>
+            </a:xfrm>
+            <a:prstGeom prst="ellipse">
+              <a:avLst/>
+            </a:prstGeom>
+            <a:solidFill>
+              <a:schemeClr val="bg1"/>
+            </a:solidFill>
+            <a:ln>
+              <a:solidFill>
+                <a:schemeClr val="bg1">
+                  <a:lumMod val="50000"/>
+                </a:schemeClr>
+              </a:solidFill>
+            </a:ln>
+          </p:spPr>
+          <p:style>
+            <a:lnRef idx="2">
+              <a:schemeClr val="accent1">
+                <a:shade val="50000"/>
+              </a:schemeClr>
+            </a:lnRef>
+            <a:fillRef idx="1">
+              <a:schemeClr val="accent1"/>
+            </a:fillRef>
+            <a:effectRef idx="0">
+              <a:schemeClr val="accent1"/>
+            </a:effectRef>
+            <a:fontRef idx="minor">
+              <a:schemeClr val="lt1"/>
+            </a:fontRef>
+          </p:style>
+          <p:txBody>
+            <a:bodyPr lIns="0" rIns="0" rtlCol="0" anchor="ctr"/>
+            <a:lstStyle/>
+            <a:p>
+              <a:pPr algn="ctr"/>
+              <a:r>
+                <a:rPr lang="en-US" sz="1000" dirty="0">
+                  <a:solidFill>
+                    <a:schemeClr val="bg1">
+                      <a:lumMod val="50000"/>
+                    </a:schemeClr>
+                  </a:solidFill>
+                </a:rPr>
+                <a:t>21</a:t>
+              </a:r>
+            </a:p>
+          </p:txBody>
+        </p:sp>
+        <p:sp>
+          <p:nvSpPr>
+            <p:cNvPr id="29" name="Ellipse 24"/>
+            <p:cNvSpPr/>
+            <p:nvPr/>
+          </p:nvSpPr>
+          <p:spPr>
+            <a:xfrm>
+              <a:off x="1374407" y="5962852"/>
+              <a:ext cx="320040" cy="304802"/>
+            </a:xfrm>
+            <a:prstGeom prst="ellipse">
+              <a:avLst/>
+            </a:prstGeom>
+            <a:solidFill>
+              <a:schemeClr val="bg1"/>
+            </a:solidFill>
+            <a:ln>
+              <a:solidFill>
+                <a:schemeClr val="bg1">
+                  <a:lumMod val="50000"/>
+                </a:schemeClr>
+              </a:solidFill>
+            </a:ln>
+          </p:spPr>
+          <p:style>
+            <a:lnRef idx="2">
+              <a:schemeClr val="accent1">
+                <a:shade val="50000"/>
+              </a:schemeClr>
+            </a:lnRef>
+            <a:fillRef idx="1">
+              <a:schemeClr val="accent1"/>
+            </a:fillRef>
+            <a:effectRef idx="0">
+              <a:schemeClr val="accent1"/>
+            </a:effectRef>
+            <a:fontRef idx="minor">
+              <a:schemeClr val="lt1"/>
+            </a:fontRef>
+          </p:style>
+          <p:txBody>
+            <a:bodyPr lIns="0" rIns="0" rtlCol="0" anchor="ctr"/>
+            <a:lstStyle/>
+            <a:p>
+              <a:pPr algn="ctr"/>
+              <a:r>
+                <a:rPr lang="en-US" sz="1000">
+                  <a:solidFill>
+                    <a:schemeClr val="bg1">
+                      <a:lumMod val="50000"/>
+                    </a:schemeClr>
+                  </a:solidFill>
+                </a:rPr>
+                <a:t>22</a:t>
+              </a:r>
+              <a:endParaRPr lang="en-US" sz="1000" dirty="0">
                 <a:solidFill>
                   <a:schemeClr val="bg1">
                     <a:lumMod val="50000"/>
                   </a:schemeClr>
                 </a:solidFill>
-              </a:rPr>
-              <a:t>1</a:t>
-            </a:r>
-          </a:p>
-        </p:txBody>
-      </p:sp>
-      <p:sp>
-        <p:nvSpPr>
-          <p:cNvPr id="8" name="Ellipse 7"/>
-          <p:cNvSpPr/>
-          <p:nvPr/>
-        </p:nvSpPr>
-        <p:spPr>
-          <a:xfrm>
-            <a:off x="2529840" y="152400"/>
-            <a:ext cx="320040" cy="304800"/>
-          </a:xfrm>
-          <a:prstGeom prst="ellipse">
-            <a:avLst/>
-          </a:prstGeom>
-          <a:solidFill>
-            <a:schemeClr val="bg1"/>
-          </a:solidFill>
-          <a:ln>
+              </a:endParaRPr>
+            </a:p>
+          </p:txBody>
+        </p:sp>
+        <p:sp>
+          <p:nvSpPr>
+            <p:cNvPr id="30" name="Ellipse 24"/>
+            <p:cNvSpPr/>
+            <p:nvPr/>
+          </p:nvSpPr>
+          <p:spPr>
+            <a:xfrm>
+              <a:off x="5970471" y="5962852"/>
+              <a:ext cx="320040" cy="304802"/>
+            </a:xfrm>
+            <a:prstGeom prst="ellipse">
+              <a:avLst/>
+            </a:prstGeom>
             <a:solidFill>
-              <a:schemeClr val="bg1">
-                <a:lumMod val="50000"/>
-              </a:schemeClr>
+              <a:schemeClr val="bg1"/>
             </a:solidFill>
-          </a:ln>
-        </p:spPr>
-        <p:style>
-          <a:lnRef idx="2">
-            <a:schemeClr val="accent1">
-              <a:shade val="50000"/>
-            </a:schemeClr>
-          </a:lnRef>
-          <a:fillRef idx="1">
-            <a:schemeClr val="accent1"/>
-          </a:fillRef>
-          <a:effectRef idx="0">
-            <a:schemeClr val="accent1"/>
-          </a:effectRef>
-          <a:fontRef idx="minor">
-            <a:schemeClr val="lt1"/>
-          </a:fontRef>
-        </p:style>
-        <p:txBody>
-          <a:bodyPr lIns="0" rIns="0" rtlCol="0" anchor="ctr"/>
-          <a:lstStyle/>
-          <a:p>
-            <a:pPr algn="ctr"/>
-            <a:r>
-              <a:rPr lang="en-US" sz="1000" dirty="0">
-                <a:solidFill>
-                  <a:schemeClr val="bg1">
-                    <a:lumMod val="50000"/>
-                  </a:schemeClr>
-                </a:solidFill>
-              </a:rPr>
-              <a:t>2</a:t>
-            </a:r>
-          </a:p>
-        </p:txBody>
-      </p:sp>
-      <p:sp>
-        <p:nvSpPr>
-          <p:cNvPr id="9" name="Ellipse 8"/>
-          <p:cNvSpPr/>
-          <p:nvPr/>
-        </p:nvSpPr>
-        <p:spPr>
-          <a:xfrm>
-            <a:off x="4693920" y="152400"/>
-            <a:ext cx="320040" cy="304800"/>
-          </a:xfrm>
-          <a:prstGeom prst="ellipse">
-            <a:avLst/>
-          </a:prstGeom>
-          <a:solidFill>
-            <a:schemeClr val="bg1"/>
-          </a:solidFill>
-          <a:ln>
-            <a:solidFill>
-              <a:schemeClr val="bg1">
-                <a:lumMod val="50000"/>
-              </a:schemeClr>
-            </a:solidFill>
-          </a:ln>
-        </p:spPr>
-        <p:style>
-          <a:lnRef idx="2">
-            <a:schemeClr val="accent1">
-              <a:shade val="50000"/>
-            </a:schemeClr>
-          </a:lnRef>
-          <a:fillRef idx="1">
-            <a:schemeClr val="accent1"/>
-          </a:fillRef>
-          <a:effectRef idx="0">
-            <a:schemeClr val="accent1"/>
-          </a:effectRef>
-          <a:fontRef idx="minor">
-            <a:schemeClr val="lt1"/>
-          </a:fontRef>
-        </p:style>
-        <p:txBody>
-          <a:bodyPr lIns="0" rIns="0" rtlCol="0" anchor="ctr"/>
-          <a:lstStyle/>
-          <a:p>
-            <a:pPr algn="ctr"/>
-            <a:r>
-              <a:rPr lang="en-US" sz="1000" dirty="0">
-                <a:solidFill>
-                  <a:schemeClr val="bg1">
-                    <a:lumMod val="50000"/>
-                  </a:schemeClr>
-                </a:solidFill>
-              </a:rPr>
-              <a:t>3</a:t>
-            </a:r>
-          </a:p>
-        </p:txBody>
-      </p:sp>
-      <p:sp>
-        <p:nvSpPr>
-          <p:cNvPr id="10" name="Ellipse 9"/>
-          <p:cNvSpPr/>
-          <p:nvPr/>
-        </p:nvSpPr>
-        <p:spPr>
-          <a:xfrm>
-            <a:off x="7406640" y="152400"/>
-            <a:ext cx="320040" cy="304800"/>
-          </a:xfrm>
-          <a:prstGeom prst="ellipse">
-            <a:avLst/>
-          </a:prstGeom>
-          <a:solidFill>
-            <a:schemeClr val="bg1"/>
-          </a:solidFill>
-          <a:ln>
-            <a:solidFill>
-              <a:schemeClr val="bg1">
-                <a:lumMod val="50000"/>
-              </a:schemeClr>
-            </a:solidFill>
-          </a:ln>
-        </p:spPr>
-        <p:style>
-          <a:lnRef idx="2">
-            <a:schemeClr val="accent1">
-              <a:shade val="50000"/>
-            </a:schemeClr>
-          </a:lnRef>
-          <a:fillRef idx="1">
-            <a:schemeClr val="accent1"/>
-          </a:fillRef>
-          <a:effectRef idx="0">
-            <a:schemeClr val="accent1"/>
-          </a:effectRef>
-          <a:fontRef idx="minor">
-            <a:schemeClr val="lt1"/>
-          </a:fontRef>
-        </p:style>
-        <p:txBody>
-          <a:bodyPr lIns="0" rIns="0" rtlCol="0" anchor="ctr"/>
-          <a:lstStyle/>
-          <a:p>
-            <a:pPr algn="ctr"/>
-            <a:r>
-              <a:rPr lang="en-US" sz="1000" dirty="0">
-                <a:solidFill>
-                  <a:schemeClr val="bg1">
-                    <a:lumMod val="50000"/>
-                  </a:schemeClr>
-                </a:solidFill>
-              </a:rPr>
-              <a:t>4</a:t>
-            </a:r>
-          </a:p>
-        </p:txBody>
-      </p:sp>
-      <p:sp>
-        <p:nvSpPr>
-          <p:cNvPr id="11" name="Ellipse 10"/>
-          <p:cNvSpPr/>
-          <p:nvPr/>
-        </p:nvSpPr>
-        <p:spPr>
-          <a:xfrm>
-            <a:off x="9174480" y="106680"/>
-            <a:ext cx="320040" cy="304800"/>
-          </a:xfrm>
-          <a:prstGeom prst="ellipse">
-            <a:avLst/>
-          </a:prstGeom>
-          <a:solidFill>
-            <a:schemeClr val="bg1"/>
-          </a:solidFill>
-          <a:ln>
-            <a:solidFill>
-              <a:schemeClr val="bg1">
-                <a:lumMod val="50000"/>
-              </a:schemeClr>
-            </a:solidFill>
-          </a:ln>
-        </p:spPr>
-        <p:style>
-          <a:lnRef idx="2">
-            <a:schemeClr val="accent1">
-              <a:shade val="50000"/>
-            </a:schemeClr>
-          </a:lnRef>
-          <a:fillRef idx="1">
-            <a:schemeClr val="accent1"/>
-          </a:fillRef>
-          <a:effectRef idx="0">
-            <a:schemeClr val="accent1"/>
-          </a:effectRef>
-          <a:fontRef idx="minor">
-            <a:schemeClr val="lt1"/>
-          </a:fontRef>
-        </p:style>
-        <p:txBody>
-          <a:bodyPr lIns="0" rIns="0" rtlCol="0" anchor="ctr"/>
-          <a:lstStyle/>
-          <a:p>
-            <a:pPr algn="ctr"/>
-            <a:r>
-              <a:rPr lang="en-US" sz="1000" dirty="0">
-                <a:solidFill>
-                  <a:schemeClr val="bg1">
-                    <a:lumMod val="50000"/>
-                  </a:schemeClr>
-                </a:solidFill>
-              </a:rPr>
-              <a:t>5</a:t>
-            </a:r>
-          </a:p>
-        </p:txBody>
-      </p:sp>
-      <p:sp>
-        <p:nvSpPr>
-          <p:cNvPr id="12" name="Ellipse 11"/>
-          <p:cNvSpPr/>
-          <p:nvPr/>
-        </p:nvSpPr>
-        <p:spPr>
-          <a:xfrm>
-            <a:off x="1203960" y="960120"/>
-            <a:ext cx="320040" cy="304800"/>
-          </a:xfrm>
-          <a:prstGeom prst="ellipse">
-            <a:avLst/>
-          </a:prstGeom>
-          <a:solidFill>
-            <a:schemeClr val="bg1"/>
-          </a:solidFill>
-          <a:ln>
-            <a:solidFill>
-              <a:schemeClr val="bg1">
-                <a:lumMod val="50000"/>
-              </a:schemeClr>
-            </a:solidFill>
-          </a:ln>
-        </p:spPr>
-        <p:style>
-          <a:lnRef idx="2">
-            <a:schemeClr val="accent1">
-              <a:shade val="50000"/>
-            </a:schemeClr>
-          </a:lnRef>
-          <a:fillRef idx="1">
-            <a:schemeClr val="accent1"/>
-          </a:fillRef>
-          <a:effectRef idx="0">
-            <a:schemeClr val="accent1"/>
-          </a:effectRef>
-          <a:fontRef idx="minor">
-            <a:schemeClr val="lt1"/>
-          </a:fontRef>
-        </p:style>
-        <p:txBody>
-          <a:bodyPr lIns="0" rIns="0" rtlCol="0" anchor="ctr"/>
-          <a:lstStyle/>
-          <a:p>
-            <a:pPr algn="ctr"/>
-            <a:r>
-              <a:rPr lang="en-US" sz="1000" dirty="0">
-                <a:solidFill>
-                  <a:schemeClr val="bg1">
-                    <a:lumMod val="50000"/>
-                  </a:schemeClr>
-                </a:solidFill>
-              </a:rPr>
-              <a:t>6</a:t>
-            </a:r>
-          </a:p>
-        </p:txBody>
-      </p:sp>
-      <p:sp>
-        <p:nvSpPr>
-          <p:cNvPr id="13" name="Ellipse 12"/>
-          <p:cNvSpPr/>
-          <p:nvPr/>
-        </p:nvSpPr>
-        <p:spPr>
-          <a:xfrm>
-            <a:off x="4107180" y="1017270"/>
-            <a:ext cx="320040" cy="304800"/>
-          </a:xfrm>
-          <a:prstGeom prst="ellipse">
-            <a:avLst/>
-          </a:prstGeom>
-          <a:solidFill>
-            <a:schemeClr val="bg1"/>
-          </a:solidFill>
-          <a:ln>
-            <a:solidFill>
-              <a:schemeClr val="bg1">
-                <a:lumMod val="50000"/>
-              </a:schemeClr>
-            </a:solidFill>
-          </a:ln>
-        </p:spPr>
-        <p:style>
-          <a:lnRef idx="2">
-            <a:schemeClr val="accent1">
-              <a:shade val="50000"/>
-            </a:schemeClr>
-          </a:lnRef>
-          <a:fillRef idx="1">
-            <a:schemeClr val="accent1"/>
-          </a:fillRef>
-          <a:effectRef idx="0">
-            <a:schemeClr val="accent1"/>
-          </a:effectRef>
-          <a:fontRef idx="minor">
-            <a:schemeClr val="lt1"/>
-          </a:fontRef>
-        </p:style>
-        <p:txBody>
-          <a:bodyPr lIns="0" rIns="0" rtlCol="0" anchor="ctr"/>
-          <a:lstStyle/>
-          <a:p>
-            <a:pPr algn="ctr"/>
-            <a:r>
-              <a:rPr lang="en-US" sz="1000" dirty="0">
-                <a:solidFill>
-                  <a:schemeClr val="bg1">
-                    <a:lumMod val="50000"/>
-                  </a:schemeClr>
-                </a:solidFill>
-              </a:rPr>
-              <a:t>7</a:t>
-            </a:r>
-          </a:p>
-        </p:txBody>
-      </p:sp>
-      <p:sp>
-        <p:nvSpPr>
-          <p:cNvPr id="14" name="Ellipse 13"/>
-          <p:cNvSpPr/>
-          <p:nvPr/>
-        </p:nvSpPr>
-        <p:spPr>
-          <a:xfrm>
-            <a:off x="9067800" y="990600"/>
-            <a:ext cx="320040" cy="304800"/>
-          </a:xfrm>
-          <a:prstGeom prst="ellipse">
-            <a:avLst/>
-          </a:prstGeom>
-          <a:solidFill>
-            <a:schemeClr val="bg1"/>
-          </a:solidFill>
-          <a:ln>
-            <a:solidFill>
-              <a:schemeClr val="bg1">
-                <a:lumMod val="50000"/>
-              </a:schemeClr>
-            </a:solidFill>
-          </a:ln>
-        </p:spPr>
-        <p:style>
-          <a:lnRef idx="2">
-            <a:schemeClr val="accent1">
-              <a:shade val="50000"/>
-            </a:schemeClr>
-          </a:lnRef>
-          <a:fillRef idx="1">
-            <a:schemeClr val="accent1"/>
-          </a:fillRef>
-          <a:effectRef idx="0">
-            <a:schemeClr val="accent1"/>
-          </a:effectRef>
-          <a:fontRef idx="minor">
-            <a:schemeClr val="lt1"/>
-          </a:fontRef>
-        </p:style>
-        <p:txBody>
-          <a:bodyPr lIns="0" rIns="0" rtlCol="0" anchor="ctr"/>
-          <a:lstStyle/>
-          <a:p>
-            <a:pPr algn="ctr"/>
-            <a:r>
-              <a:rPr lang="en-US" sz="1000" dirty="0">
-                <a:solidFill>
-                  <a:schemeClr val="bg1">
-                    <a:lumMod val="50000"/>
-                  </a:schemeClr>
-                </a:solidFill>
-              </a:rPr>
-              <a:t>8</a:t>
-            </a:r>
-          </a:p>
-        </p:txBody>
-      </p:sp>
-      <p:sp>
-        <p:nvSpPr>
-          <p:cNvPr id="15" name="Ellipse 14"/>
-          <p:cNvSpPr/>
-          <p:nvPr/>
-        </p:nvSpPr>
-        <p:spPr>
-          <a:xfrm>
-            <a:off x="8103870" y="1516383"/>
-            <a:ext cx="320040" cy="304800"/>
-          </a:xfrm>
-          <a:prstGeom prst="ellipse">
-            <a:avLst/>
-          </a:prstGeom>
-          <a:solidFill>
-            <a:schemeClr val="bg1"/>
-          </a:solidFill>
-          <a:ln>
-            <a:solidFill>
-              <a:schemeClr val="bg1">
-                <a:lumMod val="50000"/>
-              </a:schemeClr>
-            </a:solidFill>
-          </a:ln>
-        </p:spPr>
-        <p:style>
-          <a:lnRef idx="2">
-            <a:schemeClr val="accent1">
-              <a:shade val="50000"/>
-            </a:schemeClr>
-          </a:lnRef>
-          <a:fillRef idx="1">
-            <a:schemeClr val="accent1"/>
-          </a:fillRef>
-          <a:effectRef idx="0">
-            <a:schemeClr val="accent1"/>
-          </a:effectRef>
-          <a:fontRef idx="minor">
-            <a:schemeClr val="lt1"/>
-          </a:fontRef>
-        </p:style>
-        <p:txBody>
-          <a:bodyPr lIns="0" rIns="0" rtlCol="0" anchor="ctr"/>
-          <a:lstStyle/>
-          <a:p>
-            <a:pPr algn="ctr"/>
-            <a:r>
-              <a:rPr lang="en-US" sz="1000" dirty="0">
-                <a:solidFill>
-                  <a:schemeClr val="bg1">
-                    <a:lumMod val="50000"/>
-                  </a:schemeClr>
-                </a:solidFill>
-              </a:rPr>
-              <a:t>11</a:t>
-            </a:r>
-          </a:p>
-        </p:txBody>
-      </p:sp>
-      <p:sp>
-        <p:nvSpPr>
-          <p:cNvPr id="16" name="Ellipse 15"/>
-          <p:cNvSpPr/>
-          <p:nvPr/>
-        </p:nvSpPr>
-        <p:spPr>
-          <a:xfrm>
-            <a:off x="4023360" y="2316480"/>
-            <a:ext cx="320040" cy="304800"/>
-          </a:xfrm>
-          <a:prstGeom prst="ellipse">
-            <a:avLst/>
-          </a:prstGeom>
-          <a:solidFill>
-            <a:schemeClr val="bg1"/>
-          </a:solidFill>
-          <a:ln>
-            <a:solidFill>
-              <a:schemeClr val="bg1">
-                <a:lumMod val="50000"/>
-              </a:schemeClr>
-            </a:solidFill>
-          </a:ln>
-        </p:spPr>
-        <p:style>
-          <a:lnRef idx="2">
-            <a:schemeClr val="accent1">
-              <a:shade val="50000"/>
-            </a:schemeClr>
-          </a:lnRef>
-          <a:fillRef idx="1">
-            <a:schemeClr val="accent1"/>
-          </a:fillRef>
-          <a:effectRef idx="0">
-            <a:schemeClr val="accent1"/>
-          </a:effectRef>
-          <a:fontRef idx="minor">
-            <a:schemeClr val="lt1"/>
-          </a:fontRef>
-        </p:style>
-        <p:txBody>
-          <a:bodyPr lIns="0" rIns="0" rtlCol="0" anchor="ctr"/>
-          <a:lstStyle/>
-          <a:p>
-            <a:pPr algn="ctr"/>
-            <a:r>
-              <a:rPr lang="en-US" sz="1000" dirty="0">
-                <a:solidFill>
-                  <a:schemeClr val="bg1">
-                    <a:lumMod val="50000"/>
-                  </a:schemeClr>
-                </a:solidFill>
-              </a:rPr>
-              <a:t>10</a:t>
-            </a:r>
-          </a:p>
-        </p:txBody>
-      </p:sp>
-      <p:sp>
-        <p:nvSpPr>
-          <p:cNvPr id="17" name="Ellipse 16"/>
-          <p:cNvSpPr/>
-          <p:nvPr/>
-        </p:nvSpPr>
-        <p:spPr>
-          <a:xfrm>
-            <a:off x="1203960" y="1798322"/>
-            <a:ext cx="320040" cy="304800"/>
-          </a:xfrm>
-          <a:prstGeom prst="ellipse">
-            <a:avLst/>
-          </a:prstGeom>
-          <a:solidFill>
-            <a:schemeClr val="bg1"/>
-          </a:solidFill>
-          <a:ln>
-            <a:solidFill>
-              <a:schemeClr val="bg1">
-                <a:lumMod val="50000"/>
-              </a:schemeClr>
-            </a:solidFill>
-          </a:ln>
-        </p:spPr>
-        <p:style>
-          <a:lnRef idx="2">
-            <a:schemeClr val="accent1">
-              <a:shade val="50000"/>
-            </a:schemeClr>
-          </a:lnRef>
-          <a:fillRef idx="1">
-            <a:schemeClr val="accent1"/>
-          </a:fillRef>
-          <a:effectRef idx="0">
-            <a:schemeClr val="accent1"/>
-          </a:effectRef>
-          <a:fontRef idx="minor">
-            <a:schemeClr val="lt1"/>
-          </a:fontRef>
-        </p:style>
-        <p:txBody>
-          <a:bodyPr lIns="0" rIns="0" rtlCol="0" anchor="ctr"/>
-          <a:lstStyle/>
-          <a:p>
-            <a:pPr algn="ctr"/>
-            <a:r>
-              <a:rPr lang="en-US" sz="1000" dirty="0">
-                <a:solidFill>
-                  <a:schemeClr val="bg1">
-                    <a:lumMod val="50000"/>
-                  </a:schemeClr>
-                </a:solidFill>
-              </a:rPr>
-              <a:t>9</a:t>
-            </a:r>
-          </a:p>
-        </p:txBody>
-      </p:sp>
-      <p:sp>
-        <p:nvSpPr>
-          <p:cNvPr id="18" name="Ellipse 17"/>
-          <p:cNvSpPr/>
-          <p:nvPr/>
-        </p:nvSpPr>
-        <p:spPr>
-          <a:xfrm>
-            <a:off x="792480" y="2918460"/>
-            <a:ext cx="320040" cy="304800"/>
-          </a:xfrm>
-          <a:prstGeom prst="ellipse">
-            <a:avLst/>
-          </a:prstGeom>
-          <a:solidFill>
-            <a:schemeClr val="bg1"/>
-          </a:solidFill>
-          <a:ln>
-            <a:solidFill>
-              <a:schemeClr val="bg1">
-                <a:lumMod val="50000"/>
-              </a:schemeClr>
-            </a:solidFill>
-          </a:ln>
-        </p:spPr>
-        <p:style>
-          <a:lnRef idx="2">
-            <a:schemeClr val="accent1">
-              <a:shade val="50000"/>
-            </a:schemeClr>
-          </a:lnRef>
-          <a:fillRef idx="1">
-            <a:schemeClr val="accent1"/>
-          </a:fillRef>
-          <a:effectRef idx="0">
-            <a:schemeClr val="accent1"/>
-          </a:effectRef>
-          <a:fontRef idx="minor">
-            <a:schemeClr val="lt1"/>
-          </a:fontRef>
-        </p:style>
-        <p:txBody>
-          <a:bodyPr lIns="0" rIns="0" rtlCol="0" anchor="ctr"/>
-          <a:lstStyle/>
-          <a:p>
-            <a:pPr algn="ctr"/>
-            <a:r>
-              <a:rPr lang="en-US" sz="1000" dirty="0">
-                <a:solidFill>
-                  <a:schemeClr val="bg1">
-                    <a:lumMod val="50000"/>
-                  </a:schemeClr>
-                </a:solidFill>
-              </a:rPr>
-              <a:t>12</a:t>
-            </a:r>
-          </a:p>
-        </p:txBody>
-      </p:sp>
-      <p:sp>
-        <p:nvSpPr>
-          <p:cNvPr id="19" name="Ellipse 18"/>
-          <p:cNvSpPr/>
-          <p:nvPr/>
-        </p:nvSpPr>
-        <p:spPr>
-          <a:xfrm>
-            <a:off x="2453640" y="2945130"/>
-            <a:ext cx="320040" cy="304800"/>
-          </a:xfrm>
-          <a:prstGeom prst="ellipse">
-            <a:avLst/>
-          </a:prstGeom>
-          <a:solidFill>
-            <a:schemeClr val="bg1"/>
-          </a:solidFill>
-          <a:ln>
-            <a:solidFill>
-              <a:schemeClr val="bg1">
-                <a:lumMod val="50000"/>
-              </a:schemeClr>
-            </a:solidFill>
-          </a:ln>
-        </p:spPr>
-        <p:style>
-          <a:lnRef idx="2">
-            <a:schemeClr val="accent1">
-              <a:shade val="50000"/>
-            </a:schemeClr>
-          </a:lnRef>
-          <a:fillRef idx="1">
-            <a:schemeClr val="accent1"/>
-          </a:fillRef>
-          <a:effectRef idx="0">
-            <a:schemeClr val="accent1"/>
-          </a:effectRef>
-          <a:fontRef idx="minor">
-            <a:schemeClr val="lt1"/>
-          </a:fontRef>
-        </p:style>
-        <p:txBody>
-          <a:bodyPr lIns="0" rIns="0" rtlCol="0" anchor="ctr"/>
-          <a:lstStyle/>
-          <a:p>
-            <a:pPr algn="ctr"/>
-            <a:r>
-              <a:rPr lang="en-US" sz="1000" dirty="0">
-                <a:solidFill>
-                  <a:schemeClr val="bg1">
-                    <a:lumMod val="50000"/>
-                  </a:schemeClr>
-                </a:solidFill>
-              </a:rPr>
-              <a:t>13</a:t>
-            </a:r>
-          </a:p>
-        </p:txBody>
-      </p:sp>
-      <p:sp>
-        <p:nvSpPr>
-          <p:cNvPr id="20" name="Ellipse 19"/>
-          <p:cNvSpPr/>
-          <p:nvPr/>
-        </p:nvSpPr>
-        <p:spPr>
-          <a:xfrm>
-            <a:off x="2689860" y="3733800"/>
-            <a:ext cx="320040" cy="304800"/>
-          </a:xfrm>
-          <a:prstGeom prst="ellipse">
-            <a:avLst/>
-          </a:prstGeom>
-          <a:solidFill>
-            <a:schemeClr val="bg1"/>
-          </a:solidFill>
-          <a:ln>
-            <a:solidFill>
-              <a:schemeClr val="bg1">
-                <a:lumMod val="50000"/>
-              </a:schemeClr>
-            </a:solidFill>
-          </a:ln>
-        </p:spPr>
-        <p:style>
-          <a:lnRef idx="2">
-            <a:schemeClr val="accent1">
-              <a:shade val="50000"/>
-            </a:schemeClr>
-          </a:lnRef>
-          <a:fillRef idx="1">
-            <a:schemeClr val="accent1"/>
-          </a:fillRef>
-          <a:effectRef idx="0">
-            <a:schemeClr val="accent1"/>
-          </a:effectRef>
-          <a:fontRef idx="minor">
-            <a:schemeClr val="lt1"/>
-          </a:fontRef>
-        </p:style>
-        <p:txBody>
-          <a:bodyPr lIns="0" rIns="0" rtlCol="0" anchor="ctr"/>
-          <a:lstStyle/>
-          <a:p>
-            <a:pPr algn="ctr"/>
-            <a:r>
-              <a:rPr lang="en-US" sz="1000" dirty="0">
-                <a:solidFill>
-                  <a:schemeClr val="bg1">
-                    <a:lumMod val="50000"/>
-                  </a:schemeClr>
-                </a:solidFill>
-              </a:rPr>
-              <a:t>14</a:t>
-            </a:r>
-          </a:p>
-        </p:txBody>
-      </p:sp>
-      <p:sp>
-        <p:nvSpPr>
-          <p:cNvPr id="21" name="Ellipse 20"/>
-          <p:cNvSpPr/>
-          <p:nvPr/>
-        </p:nvSpPr>
-        <p:spPr>
-          <a:xfrm>
-            <a:off x="4853940" y="3733800"/>
-            <a:ext cx="320040" cy="304800"/>
-          </a:xfrm>
-          <a:prstGeom prst="ellipse">
-            <a:avLst/>
-          </a:prstGeom>
-          <a:solidFill>
-            <a:schemeClr val="bg1"/>
-          </a:solidFill>
-          <a:ln>
-            <a:solidFill>
-              <a:schemeClr val="bg1">
-                <a:lumMod val="50000"/>
-              </a:schemeClr>
-            </a:solidFill>
-          </a:ln>
-        </p:spPr>
-        <p:style>
-          <a:lnRef idx="2">
-            <a:schemeClr val="accent1">
-              <a:shade val="50000"/>
-            </a:schemeClr>
-          </a:lnRef>
-          <a:fillRef idx="1">
-            <a:schemeClr val="accent1"/>
-          </a:fillRef>
-          <a:effectRef idx="0">
-            <a:schemeClr val="accent1"/>
-          </a:effectRef>
-          <a:fontRef idx="minor">
-            <a:schemeClr val="lt1"/>
-          </a:fontRef>
-        </p:style>
-        <p:txBody>
-          <a:bodyPr lIns="0" rIns="0" rtlCol="0" anchor="ctr"/>
-          <a:lstStyle/>
-          <a:p>
-            <a:pPr algn="ctr"/>
-            <a:r>
-              <a:rPr lang="en-US" sz="1000" dirty="0">
-                <a:solidFill>
-                  <a:schemeClr val="bg1">
-                    <a:lumMod val="50000"/>
-                  </a:schemeClr>
-                </a:solidFill>
-              </a:rPr>
-              <a:t>15</a:t>
-            </a:r>
-          </a:p>
-        </p:txBody>
-      </p:sp>
-      <p:sp>
-        <p:nvSpPr>
-          <p:cNvPr id="22" name="Ellipse 21"/>
-          <p:cNvSpPr/>
-          <p:nvPr/>
-        </p:nvSpPr>
-        <p:spPr>
-          <a:xfrm>
-            <a:off x="7246620" y="3733800"/>
-            <a:ext cx="320040" cy="304800"/>
-          </a:xfrm>
-          <a:prstGeom prst="ellipse">
-            <a:avLst/>
-          </a:prstGeom>
-          <a:solidFill>
-            <a:schemeClr val="bg1"/>
-          </a:solidFill>
-          <a:ln>
-            <a:solidFill>
-              <a:schemeClr val="bg1">
-                <a:lumMod val="50000"/>
-              </a:schemeClr>
-            </a:solidFill>
-          </a:ln>
-        </p:spPr>
-        <p:style>
-          <a:lnRef idx="2">
-            <a:schemeClr val="accent1">
-              <a:shade val="50000"/>
-            </a:schemeClr>
-          </a:lnRef>
-          <a:fillRef idx="1">
-            <a:schemeClr val="accent1"/>
-          </a:fillRef>
-          <a:effectRef idx="0">
-            <a:schemeClr val="accent1"/>
-          </a:effectRef>
-          <a:fontRef idx="minor">
-            <a:schemeClr val="lt1"/>
-          </a:fontRef>
-        </p:style>
-        <p:txBody>
-          <a:bodyPr lIns="0" rIns="0" rtlCol="0" anchor="ctr"/>
-          <a:lstStyle/>
-          <a:p>
-            <a:pPr algn="ctr"/>
-            <a:r>
-              <a:rPr lang="en-US" sz="1000" dirty="0">
-                <a:solidFill>
-                  <a:schemeClr val="bg1">
-                    <a:lumMod val="50000"/>
-                  </a:schemeClr>
-                </a:solidFill>
-              </a:rPr>
-              <a:t>16</a:t>
-            </a:r>
-          </a:p>
-        </p:txBody>
-      </p:sp>
-      <p:sp>
-        <p:nvSpPr>
-          <p:cNvPr id="23" name="Ellipse 22"/>
-          <p:cNvSpPr/>
-          <p:nvPr/>
-        </p:nvSpPr>
-        <p:spPr>
-          <a:xfrm>
-            <a:off x="10173101" y="3733800"/>
-            <a:ext cx="320040" cy="304800"/>
-          </a:xfrm>
-          <a:prstGeom prst="ellipse">
-            <a:avLst/>
-          </a:prstGeom>
-          <a:solidFill>
-            <a:schemeClr val="bg1"/>
-          </a:solidFill>
-          <a:ln>
-            <a:solidFill>
-              <a:schemeClr val="bg1">
-                <a:lumMod val="50000"/>
-              </a:schemeClr>
-            </a:solidFill>
-          </a:ln>
-        </p:spPr>
-        <p:style>
-          <a:lnRef idx="2">
-            <a:schemeClr val="accent1">
-              <a:shade val="50000"/>
-            </a:schemeClr>
-          </a:lnRef>
-          <a:fillRef idx="1">
-            <a:schemeClr val="accent1"/>
-          </a:fillRef>
-          <a:effectRef idx="0">
-            <a:schemeClr val="accent1"/>
-          </a:effectRef>
-          <a:fontRef idx="minor">
-            <a:schemeClr val="lt1"/>
-          </a:fontRef>
-        </p:style>
-        <p:txBody>
-          <a:bodyPr lIns="0" rIns="0" rtlCol="0" anchor="ctr"/>
-          <a:lstStyle/>
-          <a:p>
-            <a:pPr algn="ctr"/>
-            <a:r>
-              <a:rPr lang="en-US" sz="1000" dirty="0">
-                <a:solidFill>
-                  <a:schemeClr val="bg1">
-                    <a:lumMod val="50000"/>
-                  </a:schemeClr>
-                </a:solidFill>
-              </a:rPr>
-              <a:t>17</a:t>
-            </a:r>
-          </a:p>
-        </p:txBody>
-      </p:sp>
-      <p:sp>
-        <p:nvSpPr>
-          <p:cNvPr id="24" name="Ellipse 23"/>
-          <p:cNvSpPr/>
-          <p:nvPr/>
-        </p:nvSpPr>
-        <p:spPr>
-          <a:xfrm>
-            <a:off x="3947160" y="4520565"/>
-            <a:ext cx="320040" cy="304800"/>
-          </a:xfrm>
-          <a:prstGeom prst="ellipse">
-            <a:avLst/>
-          </a:prstGeom>
-          <a:solidFill>
-            <a:schemeClr val="bg1"/>
-          </a:solidFill>
-          <a:ln>
-            <a:solidFill>
-              <a:schemeClr val="bg1">
-                <a:lumMod val="50000"/>
-              </a:schemeClr>
-            </a:solidFill>
-          </a:ln>
-        </p:spPr>
-        <p:style>
-          <a:lnRef idx="2">
-            <a:schemeClr val="accent1">
-              <a:shade val="50000"/>
-            </a:schemeClr>
-          </a:lnRef>
-          <a:fillRef idx="1">
-            <a:schemeClr val="accent1"/>
-          </a:fillRef>
-          <a:effectRef idx="0">
-            <a:schemeClr val="accent1"/>
-          </a:effectRef>
-          <a:fontRef idx="minor">
-            <a:schemeClr val="lt1"/>
-          </a:fontRef>
-        </p:style>
-        <p:txBody>
-          <a:bodyPr lIns="0" rIns="0" rtlCol="0" anchor="ctr"/>
-          <a:lstStyle/>
-          <a:p>
-            <a:pPr algn="ctr"/>
-            <a:r>
-              <a:rPr lang="en-US" sz="1000" dirty="0">
-                <a:solidFill>
-                  <a:schemeClr val="bg1">
-                    <a:lumMod val="50000"/>
-                  </a:schemeClr>
-                </a:solidFill>
-              </a:rPr>
-              <a:t>18</a:t>
-            </a:r>
-          </a:p>
-        </p:txBody>
-      </p:sp>
-      <p:sp>
-        <p:nvSpPr>
-          <p:cNvPr id="25" name="Ellipse 24"/>
-          <p:cNvSpPr/>
-          <p:nvPr/>
-        </p:nvSpPr>
-        <p:spPr>
-          <a:xfrm>
-            <a:off x="7246620" y="4520565"/>
-            <a:ext cx="320040" cy="304800"/>
-          </a:xfrm>
-          <a:prstGeom prst="ellipse">
-            <a:avLst/>
-          </a:prstGeom>
-          <a:solidFill>
-            <a:schemeClr val="bg1"/>
-          </a:solidFill>
-          <a:ln>
-            <a:solidFill>
-              <a:schemeClr val="bg1">
-                <a:lumMod val="50000"/>
-              </a:schemeClr>
-            </a:solidFill>
-          </a:ln>
-        </p:spPr>
-        <p:style>
-          <a:lnRef idx="2">
-            <a:schemeClr val="accent1">
-              <a:shade val="50000"/>
-            </a:schemeClr>
-          </a:lnRef>
-          <a:fillRef idx="1">
-            <a:schemeClr val="accent1"/>
-          </a:fillRef>
-          <a:effectRef idx="0">
-            <a:schemeClr val="accent1"/>
-          </a:effectRef>
-          <a:fontRef idx="minor">
-            <a:schemeClr val="lt1"/>
-          </a:fontRef>
-        </p:style>
-        <p:txBody>
-          <a:bodyPr lIns="0" rIns="0" rtlCol="0" anchor="ctr"/>
-          <a:lstStyle/>
-          <a:p>
-            <a:pPr algn="ctr"/>
-            <a:r>
-              <a:rPr lang="en-US" sz="1000" dirty="0">
-                <a:solidFill>
-                  <a:schemeClr val="bg1">
-                    <a:lumMod val="50000"/>
-                  </a:schemeClr>
-                </a:solidFill>
-              </a:rPr>
-              <a:t>19</a:t>
-            </a:r>
-          </a:p>
-        </p:txBody>
-      </p:sp>
-      <p:sp>
-        <p:nvSpPr>
-          <p:cNvPr id="27" name="Ellipse 24"/>
-          <p:cNvSpPr/>
-          <p:nvPr/>
-        </p:nvSpPr>
-        <p:spPr>
-          <a:xfrm>
-            <a:off x="167640" y="5120643"/>
-            <a:ext cx="320040" cy="304800"/>
-          </a:xfrm>
-          <a:prstGeom prst="ellipse">
-            <a:avLst/>
-          </a:prstGeom>
-          <a:solidFill>
-            <a:schemeClr val="bg1"/>
-          </a:solidFill>
-          <a:ln>
-            <a:solidFill>
-              <a:schemeClr val="bg1">
-                <a:lumMod val="50000"/>
-              </a:schemeClr>
-            </a:solidFill>
-          </a:ln>
-        </p:spPr>
-        <p:style>
-          <a:lnRef idx="2">
-            <a:schemeClr val="accent1">
-              <a:shade val="50000"/>
-            </a:schemeClr>
-          </a:lnRef>
-          <a:fillRef idx="1">
-            <a:schemeClr val="accent1"/>
-          </a:fillRef>
-          <a:effectRef idx="0">
-            <a:schemeClr val="accent1"/>
-          </a:effectRef>
-          <a:fontRef idx="minor">
-            <a:schemeClr val="lt1"/>
-          </a:fontRef>
-        </p:style>
-        <p:txBody>
-          <a:bodyPr lIns="0" rIns="0" rtlCol="0" anchor="ctr"/>
-          <a:lstStyle/>
-          <a:p>
-            <a:pPr algn="ctr"/>
-            <a:r>
-              <a:rPr lang="en-US" sz="1000" dirty="0">
-                <a:solidFill>
-                  <a:schemeClr val="bg1">
-                    <a:lumMod val="50000"/>
-                  </a:schemeClr>
-                </a:solidFill>
-              </a:rPr>
-              <a:t>20</a:t>
-            </a:r>
-          </a:p>
-        </p:txBody>
-      </p:sp>
-      <p:sp>
-        <p:nvSpPr>
-          <p:cNvPr id="28" name="Ellipse 24"/>
-          <p:cNvSpPr/>
-          <p:nvPr/>
-        </p:nvSpPr>
-        <p:spPr>
-          <a:xfrm>
-            <a:off x="2773680" y="5120643"/>
-            <a:ext cx="320040" cy="304800"/>
-          </a:xfrm>
-          <a:prstGeom prst="ellipse">
-            <a:avLst/>
-          </a:prstGeom>
-          <a:solidFill>
-            <a:schemeClr val="bg1"/>
-          </a:solidFill>
-          <a:ln>
-            <a:solidFill>
-              <a:schemeClr val="bg1">
-                <a:lumMod val="50000"/>
-              </a:schemeClr>
-            </a:solidFill>
-          </a:ln>
-        </p:spPr>
-        <p:style>
-          <a:lnRef idx="2">
-            <a:schemeClr val="accent1">
-              <a:shade val="50000"/>
-            </a:schemeClr>
-          </a:lnRef>
-          <a:fillRef idx="1">
-            <a:schemeClr val="accent1"/>
-          </a:fillRef>
-          <a:effectRef idx="0">
-            <a:schemeClr val="accent1"/>
-          </a:effectRef>
-          <a:fontRef idx="minor">
-            <a:schemeClr val="lt1"/>
-          </a:fontRef>
-        </p:style>
-        <p:txBody>
-          <a:bodyPr lIns="0" rIns="0" rtlCol="0" anchor="ctr"/>
-          <a:lstStyle/>
-          <a:p>
-            <a:pPr algn="ctr"/>
-            <a:r>
-              <a:rPr lang="en-US" sz="1000" dirty="0">
-                <a:solidFill>
-                  <a:schemeClr val="bg1">
-                    <a:lumMod val="50000"/>
-                  </a:schemeClr>
-                </a:solidFill>
-              </a:rPr>
-              <a:t>21</a:t>
-            </a:r>
-          </a:p>
-        </p:txBody>
-      </p:sp>
-      <p:sp>
-        <p:nvSpPr>
-          <p:cNvPr id="29" name="Ellipse 24"/>
-          <p:cNvSpPr/>
-          <p:nvPr/>
-        </p:nvSpPr>
-        <p:spPr>
-          <a:xfrm>
-            <a:off x="1374407" y="5962852"/>
-            <a:ext cx="320040" cy="304802"/>
-          </a:xfrm>
-          <a:prstGeom prst="ellipse">
-            <a:avLst/>
-          </a:prstGeom>
-          <a:solidFill>
-            <a:schemeClr val="bg1"/>
-          </a:solidFill>
-          <a:ln>
-            <a:solidFill>
-              <a:schemeClr val="bg1">
-                <a:lumMod val="50000"/>
-              </a:schemeClr>
-            </a:solidFill>
-          </a:ln>
-        </p:spPr>
-        <p:style>
-          <a:lnRef idx="2">
-            <a:schemeClr val="accent1">
-              <a:shade val="50000"/>
-            </a:schemeClr>
-          </a:lnRef>
-          <a:fillRef idx="1">
-            <a:schemeClr val="accent1"/>
-          </a:fillRef>
-          <a:effectRef idx="0">
-            <a:schemeClr val="accent1"/>
-          </a:effectRef>
-          <a:fontRef idx="minor">
-            <a:schemeClr val="lt1"/>
-          </a:fontRef>
-        </p:style>
-        <p:txBody>
-          <a:bodyPr lIns="0" rIns="0" rtlCol="0" anchor="ctr"/>
-          <a:lstStyle/>
-          <a:p>
-            <a:pPr algn="ctr"/>
-            <a:r>
-              <a:rPr lang="en-US" sz="1000">
-                <a:solidFill>
-                  <a:schemeClr val="bg1">
-                    <a:lumMod val="50000"/>
-                  </a:schemeClr>
-                </a:solidFill>
-              </a:rPr>
-              <a:t>22</a:t>
-            </a:r>
-            <a:endParaRPr lang="en-US" sz="1000" dirty="0">
+            <a:ln>
               <a:solidFill>
                 <a:schemeClr val="bg1">
                   <a:lumMod val="50000"/>
                 </a:schemeClr>
               </a:solidFill>
-            </a:endParaRPr>
-          </a:p>
-        </p:txBody>
-      </p:sp>
-      <p:sp>
-        <p:nvSpPr>
-          <p:cNvPr id="30" name="Ellipse 24"/>
-          <p:cNvSpPr/>
-          <p:nvPr/>
-        </p:nvSpPr>
-        <p:spPr>
-          <a:xfrm>
-            <a:off x="5970471" y="5962852"/>
-            <a:ext cx="320040" cy="304802"/>
-          </a:xfrm>
-          <a:prstGeom prst="ellipse">
-            <a:avLst/>
-          </a:prstGeom>
-          <a:solidFill>
-            <a:schemeClr val="bg1"/>
-          </a:solidFill>
-          <a:ln>
+            </a:ln>
+          </p:spPr>
+          <p:style>
+            <a:lnRef idx="2">
+              <a:schemeClr val="accent1">
+                <a:shade val="50000"/>
+              </a:schemeClr>
+            </a:lnRef>
+            <a:fillRef idx="1">
+              <a:schemeClr val="accent1"/>
+            </a:fillRef>
+            <a:effectRef idx="0">
+              <a:schemeClr val="accent1"/>
+            </a:effectRef>
+            <a:fontRef idx="minor">
+              <a:schemeClr val="lt1"/>
+            </a:fontRef>
+          </p:style>
+          <p:txBody>
+            <a:bodyPr lIns="0" rIns="0" rtlCol="0" anchor="ctr"/>
+            <a:lstStyle/>
+            <a:p>
+              <a:pPr algn="ctr"/>
+              <a:r>
+                <a:rPr lang="en-US" sz="1000" dirty="0">
+                  <a:solidFill>
+                    <a:schemeClr val="bg1">
+                      <a:lumMod val="50000"/>
+                    </a:schemeClr>
+                  </a:solidFill>
+                </a:rPr>
+                <a:t>23</a:t>
+              </a:r>
+            </a:p>
+          </p:txBody>
+        </p:sp>
+        <p:sp>
+          <p:nvSpPr>
+            <p:cNvPr id="31" name="Ellipse 15"/>
+            <p:cNvSpPr/>
+            <p:nvPr/>
+          </p:nvSpPr>
+          <p:spPr>
+            <a:xfrm>
+              <a:off x="7058508" y="2316480"/>
+              <a:ext cx="320040" cy="304800"/>
+            </a:xfrm>
+            <a:prstGeom prst="ellipse">
+              <a:avLst/>
+            </a:prstGeom>
             <a:solidFill>
-              <a:schemeClr val="bg1">
-                <a:lumMod val="50000"/>
+              <a:schemeClr val="bg1"/>
+            </a:solidFill>
+            <a:ln>
+              <a:solidFill>
+                <a:schemeClr val="bg1">
+                  <a:lumMod val="50000"/>
+                </a:schemeClr>
+              </a:solidFill>
+            </a:ln>
+          </p:spPr>
+          <p:style>
+            <a:lnRef idx="2">
+              <a:schemeClr val="accent1">
+                <a:shade val="50000"/>
               </a:schemeClr>
-            </a:solidFill>
-          </a:ln>
-        </p:spPr>
-        <p:style>
-          <a:lnRef idx="2">
-            <a:schemeClr val="accent1">
-              <a:shade val="50000"/>
-            </a:schemeClr>
-          </a:lnRef>
-          <a:fillRef idx="1">
-            <a:schemeClr val="accent1"/>
-          </a:fillRef>
-          <a:effectRef idx="0">
-            <a:schemeClr val="accent1"/>
-          </a:effectRef>
-          <a:fontRef idx="minor">
-            <a:schemeClr val="lt1"/>
-          </a:fontRef>
-        </p:style>
-        <p:txBody>
-          <a:bodyPr lIns="0" rIns="0" rtlCol="0" anchor="ctr"/>
-          <a:lstStyle/>
-          <a:p>
-            <a:pPr algn="ctr"/>
-            <a:r>
-              <a:rPr lang="en-US" sz="1000" dirty="0">
-                <a:solidFill>
-                  <a:schemeClr val="bg1">
-                    <a:lumMod val="50000"/>
-                  </a:schemeClr>
-                </a:solidFill>
-              </a:rPr>
-              <a:t>23</a:t>
-            </a:r>
-          </a:p>
-        </p:txBody>
-      </p:sp>
+            </a:lnRef>
+            <a:fillRef idx="1">
+              <a:schemeClr val="accent1"/>
+            </a:fillRef>
+            <a:effectRef idx="0">
+              <a:schemeClr val="accent1"/>
+            </a:effectRef>
+            <a:fontRef idx="minor">
+              <a:schemeClr val="lt1"/>
+            </a:fontRef>
+          </p:style>
+          <p:txBody>
+            <a:bodyPr lIns="0" rIns="0" rtlCol="0" anchor="ctr"/>
+            <a:lstStyle/>
+            <a:p>
+              <a:pPr algn="ctr"/>
+              <a:r>
+                <a:rPr lang="en-US" sz="1000" dirty="0">
+                  <a:solidFill>
+                    <a:schemeClr val="bg1">
+                      <a:lumMod val="50000"/>
+                    </a:schemeClr>
+                  </a:solidFill>
+                </a:rPr>
+                <a:t>10a</a:t>
+              </a:r>
+            </a:p>
+          </p:txBody>
+        </p:sp>
+      </p:grpSp>
     </p:spTree>
     <p:extLst>
       <p:ext uri="{BB962C8B-B14F-4D97-AF65-F5344CB8AC3E}">
